--- a/PPT/PID_TG08_TG8_PresentationRound.pptx
+++ b/PPT/PID_TG08_TG8_PresentationRound.pptx
@@ -5,7 +5,7 @@
     <p:sldMasterId id="2147483652" r:id="rId1"/>
   </p:sldMasterIdLst>
   <p:notesMasterIdLst>
-    <p:notesMasterId r:id="rId14"/>
+    <p:notesMasterId r:id="rId13"/>
   </p:notesMasterIdLst>
   <p:sldIdLst>
     <p:sldId id="735" r:id="rId2"/>
@@ -19,7 +19,6 @@
     <p:sldId id="744" r:id="rId10"/>
     <p:sldId id="745" r:id="rId11"/>
     <p:sldId id="740" r:id="rId12"/>
-    <p:sldId id="746" r:id="rId13"/>
   </p:sldIdLst>
   <p:sldSz cx="9144000" cy="5143500" type="screen16x9"/>
   <p:notesSz cx="6858000" cy="9144000"/>
@@ -190,344 +189,6 @@
 </pc:chgInfo>
 </file>
 
-<file path=ppt/ink/ink1.xml><?xml version="1.0" encoding="utf-8"?>
-<inkml:ink xmlns:inkml="http://www.w3.org/2003/InkML">
-  <inkml:definitions>
-    <inkml:context xml:id="ctx0">
-      <inkml:inkSource xml:id="inkSrc0">
-        <inkml:traceFormat>
-          <inkml:channel name="X" type="integer" min="-2.14748E9" max="2.14748E9" units="cm"/>
-          <inkml:channel name="Y" type="integer" min="-2.14748E9" max="2.14748E9" units="cm"/>
-        </inkml:traceFormat>
-        <inkml:channelProperties>
-          <inkml:channelProperty channel="X" name="resolution" value="1000" units="1/cm"/>
-          <inkml:channelProperty channel="Y" name="resolution" value="1000" units="1/cm"/>
-        </inkml:channelProperties>
-      </inkml:inkSource>
-      <inkml:timestamp xml:id="ts0" timeString="2024-12-14T13:51:13.213"/>
-    </inkml:context>
-    <inkml:brush xml:id="br0">
-      <inkml:brushProperty name="width" value="0.035" units="cm"/>
-      <inkml:brushProperty name="height" value="0.035" units="cm"/>
-      <inkml:brushProperty name="ignorePressure" value="1"/>
-    </inkml:brush>
-  </inkml:definitions>
-  <inkml:trace contextRef="#ctx0" brushRef="#br0">1 1,'3092'0,"-3072"0</inkml:trace>
-</inkml:ink>
-</file>
-
-<file path=ppt/ink/ink10.xml><?xml version="1.0" encoding="utf-8"?>
-<inkml:ink xmlns:inkml="http://www.w3.org/2003/InkML">
-  <inkml:definitions>
-    <inkml:context xml:id="ctx0">
-      <inkml:inkSource xml:id="inkSrc0">
-        <inkml:traceFormat>
-          <inkml:channel name="X" type="integer" min="-2.14748E9" max="2.14748E9" units="cm"/>
-          <inkml:channel name="Y" type="integer" min="-2.14748E9" max="2.14748E9" units="cm"/>
-        </inkml:traceFormat>
-        <inkml:channelProperties>
-          <inkml:channelProperty channel="X" name="resolution" value="1000" units="1/cm"/>
-          <inkml:channelProperty channel="Y" name="resolution" value="1000" units="1/cm"/>
-        </inkml:channelProperties>
-      </inkml:inkSource>
-      <inkml:timestamp xml:id="ts0" timeString="2024-12-14T13:54:07.405"/>
-    </inkml:context>
-    <inkml:brush xml:id="br0">
-      <inkml:brushProperty name="width" value="0.035" units="cm"/>
-      <inkml:brushProperty name="height" value="0.035" units="cm"/>
-      <inkml:brushProperty name="ignorePressure" value="1"/>
-    </inkml:brush>
-  </inkml:definitions>
-  <inkml:trace contextRef="#ctx0" brushRef="#br0">326 0,'-314'228,"302"-219</inkml:trace>
-</inkml:ink>
-</file>
-
-<file path=ppt/ink/ink11.xml><?xml version="1.0" encoding="utf-8"?>
-<inkml:ink xmlns:inkml="http://www.w3.org/2003/InkML">
-  <inkml:definitions>
-    <inkml:context xml:id="ctx0">
-      <inkml:inkSource xml:id="inkSrc0">
-        <inkml:traceFormat>
-          <inkml:channel name="X" type="integer" min="-2.14748E9" max="2.14748E9" units="cm"/>
-          <inkml:channel name="Y" type="integer" min="-2.14748E9" max="2.14748E9" units="cm"/>
-        </inkml:traceFormat>
-        <inkml:channelProperties>
-          <inkml:channelProperty channel="X" name="resolution" value="1000" units="1/cm"/>
-          <inkml:channelProperty channel="Y" name="resolution" value="1000" units="1/cm"/>
-        </inkml:channelProperties>
-      </inkml:inkSource>
-      <inkml:timestamp xml:id="ts0" timeString="2024-12-14T13:54:15.058"/>
-    </inkml:context>
-    <inkml:brush xml:id="br0">
-      <inkml:brushProperty name="width" value="0.035" units="cm"/>
-      <inkml:brushProperty name="height" value="0.035" units="cm"/>
-      <inkml:brushProperty name="ignorePressure" value="1"/>
-    </inkml:brush>
-  </inkml:definitions>
-  <inkml:trace contextRef="#ctx0" brushRef="#br0">303 0,'-290'210,"278"-200</inkml:trace>
-</inkml:ink>
-</file>
-
-<file path=ppt/ink/ink12.xml><?xml version="1.0" encoding="utf-8"?>
-<inkml:ink xmlns:inkml="http://www.w3.org/2003/InkML">
-  <inkml:definitions>
-    <inkml:context xml:id="ctx0">
-      <inkml:inkSource xml:id="inkSrc0">
-        <inkml:traceFormat>
-          <inkml:channel name="X" type="integer" min="-2.14748E9" max="2.14748E9" units="cm"/>
-          <inkml:channel name="Y" type="integer" min="-2.14748E9" max="2.14748E9" units="cm"/>
-        </inkml:traceFormat>
-        <inkml:channelProperties>
-          <inkml:channelProperty channel="X" name="resolution" value="1000" units="1/cm"/>
-          <inkml:channelProperty channel="Y" name="resolution" value="1000" units="1/cm"/>
-        </inkml:channelProperties>
-      </inkml:inkSource>
-      <inkml:timestamp xml:id="ts0" timeString="2024-12-14T13:54:21.873"/>
-    </inkml:context>
-    <inkml:brush xml:id="br0">
-      <inkml:brushProperty name="width" value="0.035" units="cm"/>
-      <inkml:brushProperty name="height" value="0.035" units="cm"/>
-      <inkml:brushProperty name="ignorePressure" value="1"/>
-    </inkml:brush>
-  </inkml:definitions>
-  <inkml:trace contextRef="#ctx0" brushRef="#br0">246 0,'-235'172,"224"-165</inkml:trace>
-</inkml:ink>
-</file>
-
-<file path=ppt/ink/ink13.xml><?xml version="1.0" encoding="utf-8"?>
-<inkml:ink xmlns:inkml="http://www.w3.org/2003/InkML">
-  <inkml:definitions>
-    <inkml:context xml:id="ctx0">
-      <inkml:inkSource xml:id="inkSrc0">
-        <inkml:traceFormat>
-          <inkml:channel name="X" type="integer" min="-2.14748E9" max="2.14748E9" units="cm"/>
-          <inkml:channel name="Y" type="integer" min="-2.14748E9" max="2.14748E9" units="cm"/>
-        </inkml:traceFormat>
-        <inkml:channelProperties>
-          <inkml:channelProperty channel="X" name="resolution" value="1000" units="1/cm"/>
-          <inkml:channelProperty channel="Y" name="resolution" value="1000" units="1/cm"/>
-        </inkml:channelProperties>
-      </inkml:inkSource>
-      <inkml:timestamp xml:id="ts0" timeString="2024-12-14T13:54:23.723"/>
-    </inkml:context>
-    <inkml:brush xml:id="br0">
-      <inkml:brushProperty name="width" value="0.035" units="cm"/>
-      <inkml:brushProperty name="height" value="0.035" units="cm"/>
-      <inkml:brushProperty name="ignorePressure" value="1"/>
-    </inkml:brush>
-  </inkml:definitions>
-  <inkml:trace contextRef="#ctx0" brushRef="#br0">67 0,'-4'3,"-4"3,-2 1,-1 1,-1 1,1 0,0-2</inkml:trace>
-</inkml:ink>
-</file>
-
-<file path=ppt/ink/ink2.xml><?xml version="1.0" encoding="utf-8"?>
-<inkml:ink xmlns:inkml="http://www.w3.org/2003/InkML">
-  <inkml:definitions>
-    <inkml:context xml:id="ctx0">
-      <inkml:inkSource xml:id="inkSrc0">
-        <inkml:traceFormat>
-          <inkml:channel name="X" type="integer" min="-2.14748E9" max="2.14748E9" units="cm"/>
-          <inkml:channel name="Y" type="integer" min="-2.14748E9" max="2.14748E9" units="cm"/>
-        </inkml:traceFormat>
-        <inkml:channelProperties>
-          <inkml:channelProperty channel="X" name="resolution" value="1000" units="1/cm"/>
-          <inkml:channelProperty channel="Y" name="resolution" value="1000" units="1/cm"/>
-        </inkml:channelProperties>
-      </inkml:inkSource>
-      <inkml:timestamp xml:id="ts0" timeString="2024-12-14T13:51:34.059"/>
-    </inkml:context>
-    <inkml:brush xml:id="br0">
-      <inkml:brushProperty name="width" value="0.035" units="cm"/>
-      <inkml:brushProperty name="height" value="0.035" units="cm"/>
-      <inkml:brushProperty name="ignorePressure" value="1"/>
-    </inkml:brush>
-  </inkml:definitions>
-  <inkml:trace contextRef="#ctx0" brushRef="#br0">1 0,'2283'0,"-2262"0</inkml:trace>
-</inkml:ink>
-</file>
-
-<file path=ppt/ink/ink3.xml><?xml version="1.0" encoding="utf-8"?>
-<inkml:ink xmlns:inkml="http://www.w3.org/2003/InkML">
-  <inkml:definitions>
-    <inkml:context xml:id="ctx0">
-      <inkml:inkSource xml:id="inkSrc0">
-        <inkml:traceFormat>
-          <inkml:channel name="X" type="integer" min="-2.14748E9" max="2.14748E9" units="cm"/>
-          <inkml:channel name="Y" type="integer" min="-2.14748E9" max="2.14748E9" units="cm"/>
-        </inkml:traceFormat>
-        <inkml:channelProperties>
-          <inkml:channelProperty channel="X" name="resolution" value="1000" units="1/cm"/>
-          <inkml:channelProperty channel="Y" name="resolution" value="1000" units="1/cm"/>
-        </inkml:channelProperties>
-      </inkml:inkSource>
-      <inkml:timestamp xml:id="ts0" timeString="2024-12-14T13:51:48.369"/>
-    </inkml:context>
-    <inkml:brush xml:id="br0">
-      <inkml:brushProperty name="width" value="0.035" units="cm"/>
-      <inkml:brushProperty name="height" value="0.035" units="cm"/>
-      <inkml:brushProperty name="ignorePressure" value="1"/>
-    </inkml:brush>
-  </inkml:definitions>
-  <inkml:trace contextRef="#ctx0" brushRef="#br0">1 1,'2086'0,"-2064"0</inkml:trace>
-</inkml:ink>
-</file>
-
-<file path=ppt/ink/ink4.xml><?xml version="1.0" encoding="utf-8"?>
-<inkml:ink xmlns:inkml="http://www.w3.org/2003/InkML">
-  <inkml:definitions>
-    <inkml:context xml:id="ctx0">
-      <inkml:inkSource xml:id="inkSrc0">
-        <inkml:traceFormat>
-          <inkml:channel name="X" type="integer" min="-2.14748E9" max="2.14748E9" units="cm"/>
-          <inkml:channel name="Y" type="integer" min="-2.14748E9" max="2.14748E9" units="cm"/>
-        </inkml:traceFormat>
-        <inkml:channelProperties>
-          <inkml:channelProperty channel="X" name="resolution" value="1000" units="1/cm"/>
-          <inkml:channelProperty channel="Y" name="resolution" value="1000" units="1/cm"/>
-        </inkml:channelProperties>
-      </inkml:inkSource>
-      <inkml:timestamp xml:id="ts0" timeString="2024-12-14T13:52:12.493"/>
-    </inkml:context>
-    <inkml:brush xml:id="br0">
-      <inkml:brushProperty name="width" value="0.035" units="cm"/>
-      <inkml:brushProperty name="height" value="0.035" units="cm"/>
-      <inkml:brushProperty name="ignorePressure" value="1"/>
-    </inkml:brush>
-  </inkml:definitions>
-  <inkml:trace contextRef="#ctx0" brushRef="#br0">1 0,'0'3467,"0"-3445</inkml:trace>
-</inkml:ink>
-</file>
-
-<file path=ppt/ink/ink5.xml><?xml version="1.0" encoding="utf-8"?>
-<inkml:ink xmlns:inkml="http://www.w3.org/2003/InkML">
-  <inkml:definitions>
-    <inkml:context xml:id="ctx0">
-      <inkml:inkSource xml:id="inkSrc0">
-        <inkml:traceFormat>
-          <inkml:channel name="X" type="integer" min="-2.14748E9" max="2.14748E9" units="cm"/>
-          <inkml:channel name="Y" type="integer" min="-2.14748E9" max="2.14748E9" units="cm"/>
-        </inkml:traceFormat>
-        <inkml:channelProperties>
-          <inkml:channelProperty channel="X" name="resolution" value="1000" units="1/cm"/>
-          <inkml:channelProperty channel="Y" name="resolution" value="1000" units="1/cm"/>
-        </inkml:channelProperties>
-      </inkml:inkSource>
-      <inkml:timestamp xml:id="ts0" timeString="2024-12-14T13:52:35.390"/>
-    </inkml:context>
-    <inkml:brush xml:id="br0">
-      <inkml:brushProperty name="width" value="0.035" units="cm"/>
-      <inkml:brushProperty name="height" value="0.035" units="cm"/>
-      <inkml:brushProperty name="ignorePressure" value="1"/>
-    </inkml:brush>
-  </inkml:definitions>
-  <inkml:trace contextRef="#ctx0" brushRef="#br0">1647 0,'-1629'0,"1611"0</inkml:trace>
-</inkml:ink>
-</file>
-
-<file path=ppt/ink/ink6.xml><?xml version="1.0" encoding="utf-8"?>
-<inkml:ink xmlns:inkml="http://www.w3.org/2003/InkML">
-  <inkml:definitions>
-    <inkml:context xml:id="ctx0">
-      <inkml:inkSource xml:id="inkSrc0">
-        <inkml:traceFormat>
-          <inkml:channel name="X" type="integer" min="-2.14748E9" max="2.14748E9" units="cm"/>
-          <inkml:channel name="Y" type="integer" min="-2.14748E9" max="2.14748E9" units="cm"/>
-        </inkml:traceFormat>
-        <inkml:channelProperties>
-          <inkml:channelProperty channel="X" name="resolution" value="1000" units="1/cm"/>
-          <inkml:channelProperty channel="Y" name="resolution" value="1000" units="1/cm"/>
-        </inkml:channelProperties>
-      </inkml:inkSource>
-      <inkml:timestamp xml:id="ts0" timeString="2024-12-14T13:52:44.472"/>
-    </inkml:context>
-    <inkml:brush xml:id="br0">
-      <inkml:brushProperty name="width" value="0.035" units="cm"/>
-      <inkml:brushProperty name="height" value="0.035" units="cm"/>
-      <inkml:brushProperty name="ignorePressure" value="1"/>
-    </inkml:brush>
-  </inkml:definitions>
-  <inkml:trace contextRef="#ctx0" brushRef="#br0">0 1,'2081'0,"-2059"0</inkml:trace>
-</inkml:ink>
-</file>
-
-<file path=ppt/ink/ink7.xml><?xml version="1.0" encoding="utf-8"?>
-<inkml:ink xmlns:inkml="http://www.w3.org/2003/InkML">
-  <inkml:definitions>
-    <inkml:context xml:id="ctx0">
-      <inkml:inkSource xml:id="inkSrc0">
-        <inkml:traceFormat>
-          <inkml:channel name="X" type="integer" min="-2.14748E9" max="2.14748E9" units="cm"/>
-          <inkml:channel name="Y" type="integer" min="-2.14748E9" max="2.14748E9" units="cm"/>
-        </inkml:traceFormat>
-        <inkml:channelProperties>
-          <inkml:channelProperty channel="X" name="resolution" value="1000" units="1/cm"/>
-          <inkml:channelProperty channel="Y" name="resolution" value="1000" units="1/cm"/>
-        </inkml:channelProperties>
-      </inkml:inkSource>
-      <inkml:timestamp xml:id="ts0" timeString="2024-12-14T13:53:09.453"/>
-    </inkml:context>
-    <inkml:brush xml:id="br0">
-      <inkml:brushProperty name="width" value="0.035" units="cm"/>
-      <inkml:brushProperty name="height" value="0.035" units="cm"/>
-      <inkml:brushProperty name="ignorePressure" value="1"/>
-    </inkml:brush>
-  </inkml:definitions>
-  <inkml:trace contextRef="#ctx0" brushRef="#br0">326 255,'-315'-246,"305"237</inkml:trace>
-</inkml:ink>
-</file>
-
-<file path=ppt/ink/ink8.xml><?xml version="1.0" encoding="utf-8"?>
-<inkml:ink xmlns:inkml="http://www.w3.org/2003/InkML">
-  <inkml:definitions>
-    <inkml:context xml:id="ctx0">
-      <inkml:inkSource xml:id="inkSrc0">
-        <inkml:traceFormat>
-          <inkml:channel name="X" type="integer" min="-2.14748E9" max="2.14748E9" units="cm"/>
-          <inkml:channel name="Y" type="integer" min="-2.14748E9" max="2.14748E9" units="cm"/>
-        </inkml:traceFormat>
-        <inkml:channelProperties>
-          <inkml:channelProperty channel="X" name="resolution" value="1000" units="1/cm"/>
-          <inkml:channelProperty channel="Y" name="resolution" value="1000" units="1/cm"/>
-        </inkml:channelProperties>
-      </inkml:inkSource>
-      <inkml:timestamp xml:id="ts0" timeString="2024-12-14T13:53:17.624"/>
-    </inkml:context>
-    <inkml:brush xml:id="br0">
-      <inkml:brushProperty name="width" value="0.035" units="cm"/>
-      <inkml:brushProperty name="height" value="0.035" units="cm"/>
-      <inkml:brushProperty name="ignorePressure" value="1"/>
-    </inkml:brush>
-  </inkml:definitions>
-  <inkml:trace contextRef="#ctx0" brushRef="#br0">297 231,'-286'-223,"276"215</inkml:trace>
-</inkml:ink>
-</file>
-
-<file path=ppt/ink/ink9.xml><?xml version="1.0" encoding="utf-8"?>
-<inkml:ink xmlns:inkml="http://www.w3.org/2003/InkML">
-  <inkml:definitions>
-    <inkml:context xml:id="ctx0">
-      <inkml:inkSource xml:id="inkSrc0">
-        <inkml:traceFormat>
-          <inkml:channel name="X" type="integer" min="-2.14748E9" max="2.14748E9" units="cm"/>
-          <inkml:channel name="Y" type="integer" min="-2.14748E9" max="2.14748E9" units="cm"/>
-        </inkml:traceFormat>
-        <inkml:channelProperties>
-          <inkml:channelProperty channel="X" name="resolution" value="1000" units="1/cm"/>
-          <inkml:channelProperty channel="Y" name="resolution" value="1000" units="1/cm"/>
-        </inkml:channelProperties>
-      </inkml:inkSource>
-      <inkml:timestamp xml:id="ts0" timeString="2024-12-14T13:53:30.693"/>
-    </inkml:context>
-    <inkml:brush xml:id="br0">
-      <inkml:brushProperty name="width" value="0.035" units="cm"/>
-      <inkml:brushProperty name="height" value="0.035" units="cm"/>
-      <inkml:brushProperty name="ignorePressure" value="1"/>
-    </inkml:brush>
-  </inkml:definitions>
-  <inkml:trace contextRef="#ctx0" brushRef="#br0">345 270,'-332'-260,"319"251</inkml:trace>
-</inkml:ink>
-</file>
-
 <file path=ppt/notesMasters/notesMaster1.xml><?xml version="1.0" encoding="utf-8"?>
 <p:notesMaster xmlns:a="http://schemas.openxmlformats.org/drawingml/2006/main" xmlns:r="http://schemas.openxmlformats.org/officeDocument/2006/relationships" xmlns:p="http://schemas.openxmlformats.org/presentationml/2006/main">
   <p:cSld>
@@ -610,7 +271,7 @@
           <a:p>
             <a:fld id="{D9EDC9C4-A5A9-47A1-92BC-326DCF573043}" type="datetimeFigureOut">
               <a:rPr lang="en-US" smtClean="0"/>
-              <a:t>12/15/2024</a:t>
+              <a:t>12/17/2024</a:t>
             </a:fld>
             <a:endParaRPr lang="en-US"/>
           </a:p>
@@ -29382,135 +29043,6 @@
 </p:sld>
 </file>
 
-<file path=ppt/slides/slide12.xml><?xml version="1.0" encoding="utf-8"?>
-<p:sld xmlns:a="http://schemas.openxmlformats.org/drawingml/2006/main" xmlns:r="http://schemas.openxmlformats.org/officeDocument/2006/relationships" xmlns:p="http://schemas.openxmlformats.org/presentationml/2006/main">
-  <p:cSld>
-    <p:spTree>
-      <p:nvGrpSpPr>
-        <p:cNvPr id="1" name=""/>
-        <p:cNvGrpSpPr/>
-        <p:nvPr/>
-      </p:nvGrpSpPr>
-      <p:grpSpPr>
-        <a:xfrm>
-          <a:off x="0" y="0"/>
-          <a:ext cx="0" cy="0"/>
-          <a:chOff x="0" y="0"/>
-          <a:chExt cx="0" cy="0"/>
-        </a:xfrm>
-      </p:grpSpPr>
-      <p:sp>
-        <p:nvSpPr>
-          <p:cNvPr id="2" name="Title 1">
-            <a:extLst>
-              <a:ext uri="{FF2B5EF4-FFF2-40B4-BE49-F238E27FC236}">
-                <a16:creationId xmlns:a16="http://schemas.microsoft.com/office/drawing/2014/main" id="{8F7C98D4-CF48-00EA-1E5E-14178BC62886}"/>
-              </a:ext>
-            </a:extLst>
-          </p:cNvPr>
-          <p:cNvSpPr>
-            <a:spLocks noGrp="1"/>
-          </p:cNvSpPr>
-          <p:nvPr>
-            <p:ph type="title"/>
-          </p:nvPr>
-        </p:nvSpPr>
-        <p:spPr/>
-        <p:txBody>
-          <a:bodyPr/>
-          <a:lstStyle/>
-          <a:p>
-            <a:r>
-              <a:rPr lang="en-IN" dirty="0"/>
-              <a:t>Guidelines </a:t>
-            </a:r>
-          </a:p>
-        </p:txBody>
-      </p:sp>
-      <p:sp>
-        <p:nvSpPr>
-          <p:cNvPr id="3" name="Content Placeholder 2">
-            <a:extLst>
-              <a:ext uri="{FF2B5EF4-FFF2-40B4-BE49-F238E27FC236}">
-                <a16:creationId xmlns:a16="http://schemas.microsoft.com/office/drawing/2014/main" id="{E9BCFC67-F5AA-8E05-39EC-73CBF3865066}"/>
-              </a:ext>
-            </a:extLst>
-          </p:cNvPr>
-          <p:cNvSpPr>
-            <a:spLocks noGrp="1"/>
-          </p:cNvSpPr>
-          <p:nvPr>
-            <p:ph idx="1"/>
-          </p:nvPr>
-        </p:nvSpPr>
-        <p:spPr/>
-        <p:txBody>
-          <a:bodyPr/>
-          <a:lstStyle/>
-          <a:p>
-            <a:r>
-              <a:rPr lang="en-IN" dirty="0"/>
-              <a:t>Do not use more than 15 slides.</a:t>
-            </a:r>
-          </a:p>
-          <a:p>
-            <a:r>
-              <a:rPr lang="en-IN" dirty="0"/>
-              <a:t>Do not give any theoretical fundamentals.</a:t>
-            </a:r>
-          </a:p>
-          <a:p>
-            <a:r>
-              <a:rPr lang="en-US" dirty="0"/>
-              <a:t>Illustrate with suitable means such as drawings, examples, algorithms, flow chart etc.</a:t>
-            </a:r>
-          </a:p>
-          <a:p>
-            <a:r>
-              <a:rPr lang="en-IN" dirty="0"/>
-              <a:t>Use a consistent format.</a:t>
-            </a:r>
-          </a:p>
-          <a:p>
-            <a:r>
-              <a:rPr lang="en-US" dirty="0"/>
-              <a:t>Check for spelling and grammar – ensure no errors (spell check). </a:t>
-            </a:r>
-          </a:p>
-          <a:p>
-            <a:r>
-              <a:rPr lang="en-US" dirty="0"/>
-              <a:t>Highlight the major advantages of the technique/method  proposed when compared with other techniques or conventional techniques.</a:t>
-            </a:r>
-            <a:endParaRPr lang="en-IN" dirty="0"/>
-          </a:p>
-          <a:p>
-            <a:r>
-              <a:rPr lang="en-IN" dirty="0"/>
-              <a:t>While uploading the PPT file, rename first 4 letters (i.e., 0000) with your PID nos.</a:t>
-            </a:r>
-          </a:p>
-          <a:p>
-            <a:pPr marL="0" indent="0">
-              <a:buNone/>
-            </a:pPr>
-            <a:endParaRPr lang="en-IN" dirty="0"/>
-          </a:p>
-        </p:txBody>
-      </p:sp>
-    </p:spTree>
-    <p:extLst>
-      <p:ext uri="{BB962C8B-B14F-4D97-AF65-F5344CB8AC3E}">
-        <p14:creationId xmlns:p14="http://schemas.microsoft.com/office/powerpoint/2010/main" val="3254291949"/>
-      </p:ext>
-    </p:extLst>
-  </p:cSld>
-  <p:clrMapOvr>
-    <a:masterClrMapping/>
-  </p:clrMapOvr>
-</p:sld>
-</file>
-
 <file path=ppt/slides/slide2.xml><?xml version="1.0" encoding="utf-8"?>
 <p:sld xmlns:a="http://schemas.openxmlformats.org/drawingml/2006/main" xmlns:r="http://schemas.openxmlformats.org/officeDocument/2006/relationships" xmlns:p="http://schemas.openxmlformats.org/presentationml/2006/main">
   <p:cSld>
@@ -29633,7 +29165,12 @@
             <p:ph type="title"/>
           </p:nvPr>
         </p:nvSpPr>
-        <p:spPr/>
+        <p:spPr>
+          <a:xfrm>
+            <a:off x="0" y="-439200"/>
+            <a:ext cx="8534400" cy="878400"/>
+          </a:xfrm>
+        </p:spPr>
         <p:txBody>
           <a:bodyPr/>
           <a:lstStyle/>
@@ -29647,22 +29184,20 @@
       </p:sp>
       <p:pic>
         <p:nvPicPr>
-          <p:cNvPr id="5" name="Content Placeholder 4" descr="An orange moped with grey and black accents&#10;&#10;Description automatically generated">
+          <p:cNvPr id="7" name="Picture 6" descr="A diagram of a vehicle and a scooter&#10;&#10;Description automatically generated">
             <a:extLst>
               <a:ext uri="{FF2B5EF4-FFF2-40B4-BE49-F238E27FC236}">
-                <a16:creationId xmlns:a16="http://schemas.microsoft.com/office/drawing/2014/main" id="{E77A1B29-B0F8-3E02-62D7-4CF3B8569F08}"/>
+                <a16:creationId xmlns:a16="http://schemas.microsoft.com/office/drawing/2014/main" id="{444640E3-EC81-AA01-C701-BC1A7D7D3A62}"/>
               </a:ext>
             </a:extLst>
           </p:cNvPr>
           <p:cNvPicPr>
-            <a:picLocks noGrp="1" noChangeAspect="1"/>
+            <a:picLocks noChangeAspect="1"/>
           </p:cNvPicPr>
-          <p:nvPr>
-            <p:ph idx="1"/>
-          </p:nvPr>
+          <p:nvPr/>
         </p:nvPicPr>
         <p:blipFill>
-          <a:blip r:embed="rId2" cstate="print">
+          <a:blip r:embed="rId2">
             <a:extLst>
               <a:ext uri="{28A0092B-C50C-407E-A947-70E740481C1C}">
                 <a14:useLocalDpi xmlns:a14="http://schemas.microsoft.com/office/drawing/2010/main" val="0"/>
@@ -29675,869 +29210,8 @@
         </p:blipFill>
         <p:spPr>
           <a:xfrm>
-            <a:off x="263237" y="1141692"/>
-            <a:ext cx="2727052" cy="1533967"/>
-          </a:xfrm>
-        </p:spPr>
-      </p:pic>
-      <p:pic>
-        <p:nvPicPr>
-          <p:cNvPr id="9" name="Picture 8" descr="A computer generated image of a gear&#10;&#10;Description automatically generated">
-            <a:extLst>
-              <a:ext uri="{FF2B5EF4-FFF2-40B4-BE49-F238E27FC236}">
-                <a16:creationId xmlns:a16="http://schemas.microsoft.com/office/drawing/2014/main" id="{1E989F3B-C2E7-485E-1FDF-DEC6FF7CDA31}"/>
-              </a:ext>
-            </a:extLst>
-          </p:cNvPr>
-          <p:cNvPicPr>
-            <a:picLocks noChangeAspect="1"/>
-          </p:cNvPicPr>
-          <p:nvPr/>
-        </p:nvPicPr>
-        <p:blipFill>
-          <a:blip r:embed="rId3" cstate="print">
-            <a:extLst>
-              <a:ext uri="{28A0092B-C50C-407E-A947-70E740481C1C}">
-                <a14:useLocalDpi xmlns:a14="http://schemas.microsoft.com/office/drawing/2010/main" val="0"/>
-              </a:ext>
-            </a:extLst>
-          </a:blip>
-          <a:stretch>
-            <a:fillRect/>
-          </a:stretch>
-        </p:blipFill>
-        <p:spPr>
-          <a:xfrm>
-            <a:off x="3843350" y="944338"/>
-            <a:ext cx="1690501" cy="1659950"/>
-          </a:xfrm>
-          <a:prstGeom prst="rect">
-            <a:avLst/>
-          </a:prstGeom>
-        </p:spPr>
-      </p:pic>
-      <p:pic>
-        <p:nvPicPr>
-          <p:cNvPr id="11" name="Picture 10" descr="A screenshot of a computer generated image&#10;&#10;Description automatically generated">
-            <a:extLst>
-              <a:ext uri="{FF2B5EF4-FFF2-40B4-BE49-F238E27FC236}">
-                <a16:creationId xmlns:a16="http://schemas.microsoft.com/office/drawing/2014/main" id="{8CC18E3E-2B0A-9646-2958-FE65CE9CFB9A}"/>
-              </a:ext>
-            </a:extLst>
-          </p:cNvPr>
-          <p:cNvPicPr>
-            <a:picLocks noChangeAspect="1"/>
-          </p:cNvPicPr>
-          <p:nvPr/>
-        </p:nvPicPr>
-        <p:blipFill>
-          <a:blip r:embed="rId4" cstate="print">
-            <a:extLst>
-              <a:ext uri="{28A0092B-C50C-407E-A947-70E740481C1C}">
-                <a14:useLocalDpi xmlns:a14="http://schemas.microsoft.com/office/drawing/2010/main" val="0"/>
-              </a:ext>
-            </a:extLst>
-          </a:blip>
-          <a:stretch>
-            <a:fillRect/>
-          </a:stretch>
-        </p:blipFill>
-        <p:spPr>
-          <a:xfrm>
-            <a:off x="6386913" y="944338"/>
-            <a:ext cx="2646774" cy="1705841"/>
-          </a:xfrm>
-          <a:prstGeom prst="rect">
-            <a:avLst/>
-          </a:prstGeom>
-        </p:spPr>
-      </p:pic>
-      <p:pic>
-        <p:nvPicPr>
-          <p:cNvPr id="13" name="Picture 12" descr="A drawing of a bus&#10;&#10;Description automatically generated">
-            <a:extLst>
-              <a:ext uri="{FF2B5EF4-FFF2-40B4-BE49-F238E27FC236}">
-                <a16:creationId xmlns:a16="http://schemas.microsoft.com/office/drawing/2014/main" id="{9101D342-C135-2E08-375C-F182D8DCBD25}"/>
-              </a:ext>
-            </a:extLst>
-          </p:cNvPr>
-          <p:cNvPicPr>
-            <a:picLocks noChangeAspect="1"/>
-          </p:cNvPicPr>
-          <p:nvPr/>
-        </p:nvPicPr>
-        <p:blipFill>
-          <a:blip r:embed="rId5" cstate="print">
-            <a:extLst>
-              <a:ext uri="{28A0092B-C50C-407E-A947-70E740481C1C}">
-                <a14:useLocalDpi xmlns:a14="http://schemas.microsoft.com/office/drawing/2010/main" val="0"/>
-              </a:ext>
-            </a:extLst>
-          </a:blip>
-          <a:stretch>
-            <a:fillRect/>
-          </a:stretch>
-        </p:blipFill>
-        <p:spPr>
-          <a:xfrm>
-            <a:off x="403418" y="2675659"/>
-            <a:ext cx="2041909" cy="1358635"/>
-          </a:xfrm>
-          <a:prstGeom prst="rect">
-            <a:avLst/>
-          </a:prstGeom>
-        </p:spPr>
-      </p:pic>
-      <p:pic>
-        <p:nvPicPr>
-          <p:cNvPr id="15" name="Picture 14" descr="A drawing of a car&#10;&#10;Description automatically generated">
-            <a:extLst>
-              <a:ext uri="{FF2B5EF4-FFF2-40B4-BE49-F238E27FC236}">
-                <a16:creationId xmlns:a16="http://schemas.microsoft.com/office/drawing/2014/main" id="{E0E681D7-AD30-CE03-CE3A-CFB9F920832D}"/>
-              </a:ext>
-            </a:extLst>
-          </p:cNvPr>
-          <p:cNvPicPr>
-            <a:picLocks noChangeAspect="1"/>
-          </p:cNvPicPr>
-          <p:nvPr/>
-        </p:nvPicPr>
-        <p:blipFill>
-          <a:blip r:embed="rId6" cstate="print">
-            <a:extLst>
-              <a:ext uri="{28A0092B-C50C-407E-A947-70E740481C1C}">
-                <a14:useLocalDpi xmlns:a14="http://schemas.microsoft.com/office/drawing/2010/main" val="0"/>
-              </a:ext>
-            </a:extLst>
-          </a:blip>
-          <a:stretch>
-            <a:fillRect/>
-          </a:stretch>
-        </p:blipFill>
-        <p:spPr>
-          <a:xfrm>
-            <a:off x="457199" y="3713019"/>
-            <a:ext cx="2058247" cy="1430482"/>
-          </a:xfrm>
-          <a:prstGeom prst="rect">
-            <a:avLst/>
-          </a:prstGeom>
-        </p:spPr>
-      </p:pic>
-      <mc:AlternateContent xmlns:mc="http://schemas.openxmlformats.org/markup-compatibility/2006" xmlns:p14="http://schemas.microsoft.com/office/powerpoint/2010/main">
-        <mc:Choice Requires="p14">
-          <p:contentPart p14:bwMode="auto" r:id="rId7">
-            <p14:nvContentPartPr>
-              <p14:cNvPr id="19" name="Ink 18">
-                <a:extLst>
-                  <a:ext uri="{FF2B5EF4-FFF2-40B4-BE49-F238E27FC236}">
-                    <a16:creationId xmlns:a16="http://schemas.microsoft.com/office/drawing/2014/main" id="{CBEA4DFD-9450-CD07-4A9F-2DFFA913F1BB}"/>
-                  </a:ext>
-                </a:extLst>
-              </p14:cNvPr>
-              <p14:cNvContentPartPr/>
-              <p14:nvPr/>
-            </p14:nvContentPartPr>
-            <p14:xfrm>
-              <a:off x="2735880" y="1949924"/>
-              <a:ext cx="1120680" cy="360"/>
-            </p14:xfrm>
-          </p:contentPart>
-        </mc:Choice>
-        <mc:Fallback xmlns="">
-          <p:pic>
-            <p:nvPicPr>
-              <p:cNvPr id="19" name="Ink 18">
-                <a:extLst>
-                  <a:ext uri="{FF2B5EF4-FFF2-40B4-BE49-F238E27FC236}">
-                    <a16:creationId xmlns:a16="http://schemas.microsoft.com/office/drawing/2014/main" id="{CBEA4DFD-9450-CD07-4A9F-2DFFA913F1BB}"/>
-                  </a:ext>
-                </a:extLst>
-              </p:cNvPr>
-              <p:cNvPicPr/>
-              <p:nvPr/>
-            </p:nvPicPr>
-            <p:blipFill>
-              <a:blip r:embed="rId8"/>
-              <a:stretch>
-                <a:fillRect/>
-              </a:stretch>
-            </p:blipFill>
-            <p:spPr>
-              <a:xfrm>
-                <a:off x="2729760" y="1943804"/>
-                <a:ext cx="1132920" cy="12600"/>
-              </a:xfrm>
-              <a:prstGeom prst="rect">
-                <a:avLst/>
-              </a:prstGeom>
-            </p:spPr>
-          </p:pic>
-        </mc:Fallback>
-      </mc:AlternateContent>
-      <mc:AlternateContent xmlns:mc="http://schemas.openxmlformats.org/markup-compatibility/2006" xmlns:p14="http://schemas.microsoft.com/office/powerpoint/2010/main">
-        <mc:Choice Requires="p14">
-          <p:contentPart p14:bwMode="auto" r:id="rId9">
-            <p14:nvContentPartPr>
-              <p14:cNvPr id="20" name="Ink 19">
-                <a:extLst>
-                  <a:ext uri="{FF2B5EF4-FFF2-40B4-BE49-F238E27FC236}">
-                    <a16:creationId xmlns:a16="http://schemas.microsoft.com/office/drawing/2014/main" id="{F6B03576-4068-9EF2-9341-5B7FF0744953}"/>
-                  </a:ext>
-                </a:extLst>
-              </p14:cNvPr>
-              <p14:cNvContentPartPr/>
-              <p14:nvPr/>
-            </p14:nvContentPartPr>
-            <p14:xfrm>
-              <a:off x="5555400" y="1957124"/>
-              <a:ext cx="829800" cy="360"/>
-            </p14:xfrm>
-          </p:contentPart>
-        </mc:Choice>
-        <mc:Fallback xmlns="">
-          <p:pic>
-            <p:nvPicPr>
-              <p:cNvPr id="20" name="Ink 19">
-                <a:extLst>
-                  <a:ext uri="{FF2B5EF4-FFF2-40B4-BE49-F238E27FC236}">
-                    <a16:creationId xmlns:a16="http://schemas.microsoft.com/office/drawing/2014/main" id="{F6B03576-4068-9EF2-9341-5B7FF0744953}"/>
-                  </a:ext>
-                </a:extLst>
-              </p:cNvPr>
-              <p:cNvPicPr/>
-              <p:nvPr/>
-            </p:nvPicPr>
-            <p:blipFill>
-              <a:blip r:embed="rId10"/>
-              <a:stretch>
-                <a:fillRect/>
-              </a:stretch>
-            </p:blipFill>
-            <p:spPr>
-              <a:xfrm>
-                <a:off x="5549280" y="1951004"/>
-                <a:ext cx="842040" cy="12600"/>
-              </a:xfrm>
-              <a:prstGeom prst="rect">
-                <a:avLst/>
-              </a:prstGeom>
-            </p:spPr>
-          </p:pic>
-        </mc:Fallback>
-      </mc:AlternateContent>
-      <mc:AlternateContent xmlns:mc="http://schemas.openxmlformats.org/markup-compatibility/2006" xmlns:p14="http://schemas.microsoft.com/office/powerpoint/2010/main">
-        <mc:Choice Requires="p14">
-          <p:contentPart p14:bwMode="auto" r:id="rId11">
-            <p14:nvContentPartPr>
-              <p14:cNvPr id="21" name="Ink 20">
-                <a:extLst>
-                  <a:ext uri="{FF2B5EF4-FFF2-40B4-BE49-F238E27FC236}">
-                    <a16:creationId xmlns:a16="http://schemas.microsoft.com/office/drawing/2014/main" id="{751A5EE6-DC78-4F34-2B91-CA815C2EE07B}"/>
-                  </a:ext>
-                </a:extLst>
-              </p14:cNvPr>
-              <p14:cNvContentPartPr/>
-              <p14:nvPr/>
-            </p14:nvContentPartPr>
-            <p14:xfrm>
-              <a:off x="2292720" y="3404684"/>
-              <a:ext cx="759240" cy="360"/>
-            </p14:xfrm>
-          </p:contentPart>
-        </mc:Choice>
-        <mc:Fallback xmlns="">
-          <p:pic>
-            <p:nvPicPr>
-              <p:cNvPr id="21" name="Ink 20">
-                <a:extLst>
-                  <a:ext uri="{FF2B5EF4-FFF2-40B4-BE49-F238E27FC236}">
-                    <a16:creationId xmlns:a16="http://schemas.microsoft.com/office/drawing/2014/main" id="{751A5EE6-DC78-4F34-2B91-CA815C2EE07B}"/>
-                  </a:ext>
-                </a:extLst>
-              </p:cNvPr>
-              <p:cNvPicPr/>
-              <p:nvPr/>
-            </p:nvPicPr>
-            <p:blipFill>
-              <a:blip r:embed="rId12"/>
-              <a:stretch>
-                <a:fillRect/>
-              </a:stretch>
-            </p:blipFill>
-            <p:spPr>
-              <a:xfrm>
-                <a:off x="2286600" y="3398564"/>
-                <a:ext cx="771480" cy="12600"/>
-              </a:xfrm>
-              <a:prstGeom prst="rect">
-                <a:avLst/>
-              </a:prstGeom>
-            </p:spPr>
-          </p:pic>
-        </mc:Fallback>
-      </mc:AlternateContent>
-      <mc:AlternateContent xmlns:mc="http://schemas.openxmlformats.org/markup-compatibility/2006" xmlns:p14="http://schemas.microsoft.com/office/powerpoint/2010/main">
-        <mc:Choice Requires="p14">
-          <p:contentPart p14:bwMode="auto" r:id="rId13">
-            <p14:nvContentPartPr>
-              <p14:cNvPr id="22" name="Ink 21">
-                <a:extLst>
-                  <a:ext uri="{FF2B5EF4-FFF2-40B4-BE49-F238E27FC236}">
-                    <a16:creationId xmlns:a16="http://schemas.microsoft.com/office/drawing/2014/main" id="{408A7005-CAFE-C000-0092-B2314795DEE9}"/>
-                  </a:ext>
-                </a:extLst>
-              </p14:cNvPr>
-              <p14:cNvContentPartPr/>
-              <p14:nvPr/>
-            </p14:nvContentPartPr>
-            <p14:xfrm>
-              <a:off x="3072120" y="3415124"/>
-              <a:ext cx="360" cy="1256400"/>
-            </p14:xfrm>
-          </p:contentPart>
-        </mc:Choice>
-        <mc:Fallback xmlns="">
-          <p:pic>
-            <p:nvPicPr>
-              <p:cNvPr id="22" name="Ink 21">
-                <a:extLst>
-                  <a:ext uri="{FF2B5EF4-FFF2-40B4-BE49-F238E27FC236}">
-                    <a16:creationId xmlns:a16="http://schemas.microsoft.com/office/drawing/2014/main" id="{408A7005-CAFE-C000-0092-B2314795DEE9}"/>
-                  </a:ext>
-                </a:extLst>
-              </p:cNvPr>
-              <p:cNvPicPr/>
-              <p:nvPr/>
-            </p:nvPicPr>
-            <p:blipFill>
-              <a:blip r:embed="rId14"/>
-              <a:stretch>
-                <a:fillRect/>
-              </a:stretch>
-            </p:blipFill>
-            <p:spPr>
-              <a:xfrm>
-                <a:off x="3066000" y="3409004"/>
-                <a:ext cx="12600" cy="1268640"/>
-              </a:xfrm>
-              <a:prstGeom prst="rect">
-                <a:avLst/>
-              </a:prstGeom>
-            </p:spPr>
-          </p:pic>
-        </mc:Fallback>
-      </mc:AlternateContent>
-      <mc:AlternateContent xmlns:mc="http://schemas.openxmlformats.org/markup-compatibility/2006" xmlns:p14="http://schemas.microsoft.com/office/powerpoint/2010/main">
-        <mc:Choice Requires="p14">
-          <p:contentPart p14:bwMode="auto" r:id="rId15">
-            <p14:nvContentPartPr>
-              <p14:cNvPr id="23" name="Ink 22">
-                <a:extLst>
-                  <a:ext uri="{FF2B5EF4-FFF2-40B4-BE49-F238E27FC236}">
-                    <a16:creationId xmlns:a16="http://schemas.microsoft.com/office/drawing/2014/main" id="{9ADD9A81-DD81-95D2-A286-F8347071F09B}"/>
-                  </a:ext>
-                </a:extLst>
-              </p14:cNvPr>
-              <p14:cNvContentPartPr/>
-              <p14:nvPr/>
-            </p14:nvContentPartPr>
-            <p14:xfrm>
-              <a:off x="2475960" y="4672244"/>
-              <a:ext cx="592920" cy="360"/>
-            </p14:xfrm>
-          </p:contentPart>
-        </mc:Choice>
-        <mc:Fallback xmlns="">
-          <p:pic>
-            <p:nvPicPr>
-              <p:cNvPr id="23" name="Ink 22">
-                <a:extLst>
-                  <a:ext uri="{FF2B5EF4-FFF2-40B4-BE49-F238E27FC236}">
-                    <a16:creationId xmlns:a16="http://schemas.microsoft.com/office/drawing/2014/main" id="{9ADD9A81-DD81-95D2-A286-F8347071F09B}"/>
-                  </a:ext>
-                </a:extLst>
-              </p:cNvPr>
-              <p:cNvPicPr/>
-              <p:nvPr/>
-            </p:nvPicPr>
-            <p:blipFill>
-              <a:blip r:embed="rId16"/>
-              <a:stretch>
-                <a:fillRect/>
-              </a:stretch>
-            </p:blipFill>
-            <p:spPr>
-              <a:xfrm>
-                <a:off x="2469840" y="4666124"/>
-                <a:ext cx="605160" cy="12600"/>
-              </a:xfrm>
-              <a:prstGeom prst="rect">
-                <a:avLst/>
-              </a:prstGeom>
-            </p:spPr>
-          </p:pic>
-        </mc:Fallback>
-      </mc:AlternateContent>
-      <mc:AlternateContent xmlns:mc="http://schemas.openxmlformats.org/markup-compatibility/2006" xmlns:p14="http://schemas.microsoft.com/office/powerpoint/2010/main">
-        <mc:Choice Requires="p14">
-          <p:contentPart p14:bwMode="auto" r:id="rId17">
-            <p14:nvContentPartPr>
-              <p14:cNvPr id="24" name="Ink 23">
-                <a:extLst>
-                  <a:ext uri="{FF2B5EF4-FFF2-40B4-BE49-F238E27FC236}">
-                    <a16:creationId xmlns:a16="http://schemas.microsoft.com/office/drawing/2014/main" id="{BAF42480-7A8E-DF67-6374-F30180A9199F}"/>
-                  </a:ext>
-                </a:extLst>
-              </p14:cNvPr>
-              <p14:cNvContentPartPr/>
-              <p14:nvPr/>
-            </p14:nvContentPartPr>
-            <p14:xfrm>
-              <a:off x="3082560" y="4041524"/>
-              <a:ext cx="757080" cy="360"/>
-            </p14:xfrm>
-          </p:contentPart>
-        </mc:Choice>
-        <mc:Fallback xmlns="">
-          <p:pic>
-            <p:nvPicPr>
-              <p:cNvPr id="24" name="Ink 23">
-                <a:extLst>
-                  <a:ext uri="{FF2B5EF4-FFF2-40B4-BE49-F238E27FC236}">
-                    <a16:creationId xmlns:a16="http://schemas.microsoft.com/office/drawing/2014/main" id="{BAF42480-7A8E-DF67-6374-F30180A9199F}"/>
-                  </a:ext>
-                </a:extLst>
-              </p:cNvPr>
-              <p:cNvPicPr/>
-              <p:nvPr/>
-            </p:nvPicPr>
-            <p:blipFill>
-              <a:blip r:embed="rId18"/>
-              <a:stretch>
-                <a:fillRect/>
-              </a:stretch>
-            </p:blipFill>
-            <p:spPr>
-              <a:xfrm>
-                <a:off x="3076440" y="4035404"/>
-                <a:ext cx="769320" cy="12600"/>
-              </a:xfrm>
-              <a:prstGeom prst="rect">
-                <a:avLst/>
-              </a:prstGeom>
-            </p:spPr>
-          </p:pic>
-        </mc:Fallback>
-      </mc:AlternateContent>
-      <mc:AlternateContent xmlns:mc="http://schemas.openxmlformats.org/markup-compatibility/2006" xmlns:p14="http://schemas.microsoft.com/office/powerpoint/2010/main">
-        <mc:Choice Requires="p14">
-          <p:contentPart p14:bwMode="auto" r:id="rId19">
-            <p14:nvContentPartPr>
-              <p14:cNvPr id="26" name="Ink 25">
-                <a:extLst>
-                  <a:ext uri="{FF2B5EF4-FFF2-40B4-BE49-F238E27FC236}">
-                    <a16:creationId xmlns:a16="http://schemas.microsoft.com/office/drawing/2014/main" id="{AD96A8BB-B509-336F-6A64-CE8537401875}"/>
-                  </a:ext>
-                </a:extLst>
-              </p14:cNvPr>
-              <p14:cNvContentPartPr/>
-              <p14:nvPr/>
-            </p14:nvContentPartPr>
-            <p14:xfrm>
-              <a:off x="3735240" y="1862084"/>
-              <a:ext cx="117720" cy="92160"/>
-            </p14:xfrm>
-          </p:contentPart>
-        </mc:Choice>
-        <mc:Fallback xmlns="">
-          <p:pic>
-            <p:nvPicPr>
-              <p:cNvPr id="26" name="Ink 25">
-                <a:extLst>
-                  <a:ext uri="{FF2B5EF4-FFF2-40B4-BE49-F238E27FC236}">
-                    <a16:creationId xmlns:a16="http://schemas.microsoft.com/office/drawing/2014/main" id="{AD96A8BB-B509-336F-6A64-CE8537401875}"/>
-                  </a:ext>
-                </a:extLst>
-              </p:cNvPr>
-              <p:cNvPicPr/>
-              <p:nvPr/>
-            </p:nvPicPr>
-            <p:blipFill>
-              <a:blip r:embed="rId20"/>
-              <a:stretch>
-                <a:fillRect/>
-              </a:stretch>
-            </p:blipFill>
-            <p:spPr>
-              <a:xfrm>
-                <a:off x="3729120" y="1855964"/>
-                <a:ext cx="129960" cy="104400"/>
-              </a:xfrm>
-              <a:prstGeom prst="rect">
-                <a:avLst/>
-              </a:prstGeom>
-            </p:spPr>
-          </p:pic>
-        </mc:Fallback>
-      </mc:AlternateContent>
-      <mc:AlternateContent xmlns:mc="http://schemas.openxmlformats.org/markup-compatibility/2006" xmlns:p14="http://schemas.microsoft.com/office/powerpoint/2010/main">
-        <mc:Choice Requires="p14">
-          <p:contentPart p14:bwMode="auto" r:id="rId21">
-            <p14:nvContentPartPr>
-              <p14:cNvPr id="27" name="Ink 26">
-                <a:extLst>
-                  <a:ext uri="{FF2B5EF4-FFF2-40B4-BE49-F238E27FC236}">
-                    <a16:creationId xmlns:a16="http://schemas.microsoft.com/office/drawing/2014/main" id="{650C68F6-23B8-6295-9D98-68FEB4E270A6}"/>
-                  </a:ext>
-                </a:extLst>
-              </p14:cNvPr>
-              <p14:cNvContentPartPr/>
-              <p14:nvPr/>
-            </p14:nvContentPartPr>
-            <p14:xfrm>
-              <a:off x="6273960" y="1876124"/>
-              <a:ext cx="106920" cy="83520"/>
-            </p14:xfrm>
-          </p:contentPart>
-        </mc:Choice>
-        <mc:Fallback xmlns="">
-          <p:pic>
-            <p:nvPicPr>
-              <p:cNvPr id="27" name="Ink 26">
-                <a:extLst>
-                  <a:ext uri="{FF2B5EF4-FFF2-40B4-BE49-F238E27FC236}">
-                    <a16:creationId xmlns:a16="http://schemas.microsoft.com/office/drawing/2014/main" id="{650C68F6-23B8-6295-9D98-68FEB4E270A6}"/>
-                  </a:ext>
-                </a:extLst>
-              </p:cNvPr>
-              <p:cNvPicPr/>
-              <p:nvPr/>
-            </p:nvPicPr>
-            <p:blipFill>
-              <a:blip r:embed="rId22"/>
-              <a:stretch>
-                <a:fillRect/>
-              </a:stretch>
-            </p:blipFill>
-            <p:spPr>
-              <a:xfrm>
-                <a:off x="6267840" y="1870004"/>
-                <a:ext cx="119160" cy="95760"/>
-              </a:xfrm>
-              <a:prstGeom prst="rect">
-                <a:avLst/>
-              </a:prstGeom>
-            </p:spPr>
-          </p:pic>
-        </mc:Fallback>
-      </mc:AlternateContent>
-      <mc:AlternateContent xmlns:mc="http://schemas.openxmlformats.org/markup-compatibility/2006" xmlns:p14="http://schemas.microsoft.com/office/powerpoint/2010/main">
-        <mc:Choice Requires="p14">
-          <p:contentPart p14:bwMode="auto" r:id="rId23">
-            <p14:nvContentPartPr>
-              <p14:cNvPr id="28" name="Ink 27">
-                <a:extLst>
-                  <a:ext uri="{FF2B5EF4-FFF2-40B4-BE49-F238E27FC236}">
-                    <a16:creationId xmlns:a16="http://schemas.microsoft.com/office/drawing/2014/main" id="{3D078794-709D-15AB-094D-3DA925C9A389}"/>
-                  </a:ext>
-                </a:extLst>
-              </p14:cNvPr>
-              <p14:cNvContentPartPr/>
-              <p14:nvPr/>
-            </p14:nvContentPartPr>
-            <p14:xfrm>
-              <a:off x="3709320" y="3944684"/>
-              <a:ext cx="124560" cy="97560"/>
-            </p14:xfrm>
-          </p:contentPart>
-        </mc:Choice>
-        <mc:Fallback xmlns="">
-          <p:pic>
-            <p:nvPicPr>
-              <p:cNvPr id="28" name="Ink 27">
-                <a:extLst>
-                  <a:ext uri="{FF2B5EF4-FFF2-40B4-BE49-F238E27FC236}">
-                    <a16:creationId xmlns:a16="http://schemas.microsoft.com/office/drawing/2014/main" id="{3D078794-709D-15AB-094D-3DA925C9A389}"/>
-                  </a:ext>
-                </a:extLst>
-              </p:cNvPr>
-              <p:cNvPicPr/>
-              <p:nvPr/>
-            </p:nvPicPr>
-            <p:blipFill>
-              <a:blip r:embed="rId24"/>
-              <a:stretch>
-                <a:fillRect/>
-              </a:stretch>
-            </p:blipFill>
-            <p:spPr>
-              <a:xfrm>
-                <a:off x="3703200" y="3938564"/>
-                <a:ext cx="136800" cy="109800"/>
-              </a:xfrm>
-              <a:prstGeom prst="rect">
-                <a:avLst/>
-              </a:prstGeom>
-            </p:spPr>
-          </p:pic>
-        </mc:Fallback>
-      </mc:AlternateContent>
-      <mc:AlternateContent xmlns:mc="http://schemas.openxmlformats.org/markup-compatibility/2006" xmlns:p14="http://schemas.microsoft.com/office/powerpoint/2010/main">
-        <mc:Choice Requires="p14">
-          <p:contentPart p14:bwMode="auto" r:id="rId25">
-            <p14:nvContentPartPr>
-              <p14:cNvPr id="31" name="Ink 30">
-                <a:extLst>
-                  <a:ext uri="{FF2B5EF4-FFF2-40B4-BE49-F238E27FC236}">
-                    <a16:creationId xmlns:a16="http://schemas.microsoft.com/office/drawing/2014/main" id="{C3BF220B-AD7F-C59A-468B-3AEC98EFCDD4}"/>
-                  </a:ext>
-                </a:extLst>
-              </p14:cNvPr>
-              <p14:cNvContentPartPr/>
-              <p14:nvPr/>
-            </p14:nvContentPartPr>
-            <p14:xfrm>
-              <a:off x="3729480" y="1959284"/>
-              <a:ext cx="117720" cy="85680"/>
-            </p14:xfrm>
-          </p:contentPart>
-        </mc:Choice>
-        <mc:Fallback xmlns="">
-          <p:pic>
-            <p:nvPicPr>
-              <p:cNvPr id="31" name="Ink 30">
-                <a:extLst>
-                  <a:ext uri="{FF2B5EF4-FFF2-40B4-BE49-F238E27FC236}">
-                    <a16:creationId xmlns:a16="http://schemas.microsoft.com/office/drawing/2014/main" id="{C3BF220B-AD7F-C59A-468B-3AEC98EFCDD4}"/>
-                  </a:ext>
-                </a:extLst>
-              </p:cNvPr>
-              <p:cNvPicPr/>
-              <p:nvPr/>
-            </p:nvPicPr>
-            <p:blipFill>
-              <a:blip r:embed="rId26"/>
-              <a:stretch>
-                <a:fillRect/>
-              </a:stretch>
-            </p:blipFill>
-            <p:spPr>
-              <a:xfrm>
-                <a:off x="3723360" y="1953164"/>
-                <a:ext cx="129960" cy="97920"/>
-              </a:xfrm>
-              <a:prstGeom prst="rect">
-                <a:avLst/>
-              </a:prstGeom>
-            </p:spPr>
-          </p:pic>
-        </mc:Fallback>
-      </mc:AlternateContent>
-      <mc:AlternateContent xmlns:mc="http://schemas.openxmlformats.org/markup-compatibility/2006" xmlns:p14="http://schemas.microsoft.com/office/powerpoint/2010/main">
-        <mc:Choice Requires="p14">
-          <p:contentPart p14:bwMode="auto" r:id="rId27">
-            <p14:nvContentPartPr>
-              <p14:cNvPr id="32" name="Ink 31">
-                <a:extLst>
-                  <a:ext uri="{FF2B5EF4-FFF2-40B4-BE49-F238E27FC236}">
-                    <a16:creationId xmlns:a16="http://schemas.microsoft.com/office/drawing/2014/main" id="{210D1D90-20CC-4B12-32B9-7D65568F7B42}"/>
-                  </a:ext>
-                </a:extLst>
-              </p14:cNvPr>
-              <p14:cNvContentPartPr/>
-              <p14:nvPr/>
-            </p14:nvContentPartPr>
-            <p14:xfrm>
-              <a:off x="6288360" y="1955684"/>
-              <a:ext cx="109080" cy="79560"/>
-            </p14:xfrm>
-          </p:contentPart>
-        </mc:Choice>
-        <mc:Fallback xmlns="">
-          <p:pic>
-            <p:nvPicPr>
-              <p:cNvPr id="32" name="Ink 31">
-                <a:extLst>
-                  <a:ext uri="{FF2B5EF4-FFF2-40B4-BE49-F238E27FC236}">
-                    <a16:creationId xmlns:a16="http://schemas.microsoft.com/office/drawing/2014/main" id="{210D1D90-20CC-4B12-32B9-7D65568F7B42}"/>
-                  </a:ext>
-                </a:extLst>
-              </p:cNvPr>
-              <p:cNvPicPr/>
-              <p:nvPr/>
-            </p:nvPicPr>
-            <p:blipFill>
-              <a:blip r:embed="rId28"/>
-              <a:stretch>
-                <a:fillRect/>
-              </a:stretch>
-            </p:blipFill>
-            <p:spPr>
-              <a:xfrm>
-                <a:off x="6282240" y="1949564"/>
-                <a:ext cx="121320" cy="91800"/>
-              </a:xfrm>
-              <a:prstGeom prst="rect">
-                <a:avLst/>
-              </a:prstGeom>
-            </p:spPr>
-          </p:pic>
-        </mc:Fallback>
-      </mc:AlternateContent>
-      <p:grpSp>
-        <p:nvGrpSpPr>
-          <p:cNvPr id="35" name="Group 34">
-            <a:extLst>
-              <a:ext uri="{FF2B5EF4-FFF2-40B4-BE49-F238E27FC236}">
-                <a16:creationId xmlns:a16="http://schemas.microsoft.com/office/drawing/2014/main" id="{F73D8B71-199A-9147-C3B6-1990D2DF34C8}"/>
-              </a:ext>
-            </a:extLst>
-          </p:cNvPr>
-          <p:cNvGrpSpPr/>
-          <p:nvPr/>
-        </p:nvGrpSpPr>
-        <p:grpSpPr>
-          <a:xfrm>
-            <a:off x="3738840" y="4054844"/>
-            <a:ext cx="88920" cy="64800"/>
-            <a:chOff x="3738840" y="4054844"/>
-            <a:chExt cx="88920" cy="64800"/>
-          </a:xfrm>
-        </p:grpSpPr>
-        <mc:AlternateContent xmlns:mc="http://schemas.openxmlformats.org/markup-compatibility/2006" xmlns:p14="http://schemas.microsoft.com/office/powerpoint/2010/main">
-          <mc:Choice Requires="p14">
-            <p:contentPart p14:bwMode="auto" r:id="rId29">
-              <p14:nvContentPartPr>
-                <p14:cNvPr id="33" name="Ink 32">
-                  <a:extLst>
-                    <a:ext uri="{FF2B5EF4-FFF2-40B4-BE49-F238E27FC236}">
-                      <a16:creationId xmlns:a16="http://schemas.microsoft.com/office/drawing/2014/main" id="{64C4252A-BAE9-67A9-45FF-7F335EE4D59E}"/>
-                    </a:ext>
-                  </a:extLst>
-                </p14:cNvPr>
-                <p14:cNvContentPartPr/>
-                <p14:nvPr/>
-              </p14:nvContentPartPr>
-              <p14:xfrm>
-                <a:off x="3738840" y="4054844"/>
-                <a:ext cx="88920" cy="64800"/>
-              </p14:xfrm>
-            </p:contentPart>
-          </mc:Choice>
-          <mc:Fallback xmlns="">
-            <p:pic>
-              <p:nvPicPr>
-                <p:cNvPr id="33" name="Ink 32">
-                  <a:extLst>
-                    <a:ext uri="{FF2B5EF4-FFF2-40B4-BE49-F238E27FC236}">
-                      <a16:creationId xmlns:a16="http://schemas.microsoft.com/office/drawing/2014/main" id="{64C4252A-BAE9-67A9-45FF-7F335EE4D59E}"/>
-                    </a:ext>
-                  </a:extLst>
-                </p:cNvPr>
-                <p:cNvPicPr/>
-                <p:nvPr/>
-              </p:nvPicPr>
-              <p:blipFill>
-                <a:blip r:embed="rId30"/>
-                <a:stretch>
-                  <a:fillRect/>
-                </a:stretch>
-              </p:blipFill>
-              <p:spPr>
-                <a:xfrm>
-                  <a:off x="3732720" y="4048724"/>
-                  <a:ext cx="101160" cy="77040"/>
-                </a:xfrm>
-                <a:prstGeom prst="rect">
-                  <a:avLst/>
-                </a:prstGeom>
-              </p:spPr>
-            </p:pic>
-          </mc:Fallback>
-        </mc:AlternateContent>
-        <mc:AlternateContent xmlns:mc="http://schemas.openxmlformats.org/markup-compatibility/2006" xmlns:p14="http://schemas.microsoft.com/office/powerpoint/2010/main">
-          <mc:Choice Requires="p14">
-            <p:contentPart p14:bwMode="auto" r:id="rId31">
-              <p14:nvContentPartPr>
-                <p14:cNvPr id="34" name="Ink 33">
-                  <a:extLst>
-                    <a:ext uri="{FF2B5EF4-FFF2-40B4-BE49-F238E27FC236}">
-                      <a16:creationId xmlns:a16="http://schemas.microsoft.com/office/drawing/2014/main" id="{D0E71D23-4559-87FB-53BE-EE179BEB540D}"/>
-                    </a:ext>
-                  </a:extLst>
-                </p14:cNvPr>
-                <p14:cNvContentPartPr/>
-                <p14:nvPr/>
-              </p14:nvContentPartPr>
-              <p14:xfrm>
-                <a:off x="3803280" y="4054844"/>
-                <a:ext cx="24480" cy="18000"/>
-              </p14:xfrm>
-            </p:contentPart>
-          </mc:Choice>
-          <mc:Fallback xmlns="">
-            <p:pic>
-              <p:nvPicPr>
-                <p:cNvPr id="34" name="Ink 33">
-                  <a:extLst>
-                    <a:ext uri="{FF2B5EF4-FFF2-40B4-BE49-F238E27FC236}">
-                      <a16:creationId xmlns:a16="http://schemas.microsoft.com/office/drawing/2014/main" id="{D0E71D23-4559-87FB-53BE-EE179BEB540D}"/>
-                    </a:ext>
-                  </a:extLst>
-                </p:cNvPr>
-                <p:cNvPicPr/>
-                <p:nvPr/>
-              </p:nvPicPr>
-              <p:blipFill>
-                <a:blip r:embed="rId32"/>
-                <a:stretch>
-                  <a:fillRect/>
-                </a:stretch>
-              </p:blipFill>
-              <p:spPr>
-                <a:xfrm>
-                  <a:off x="3797160" y="4048724"/>
-                  <a:ext cx="36720" cy="30240"/>
-                </a:xfrm>
-                <a:prstGeom prst="rect">
-                  <a:avLst/>
-                </a:prstGeom>
-              </p:spPr>
-            </p:pic>
-          </mc:Fallback>
-        </mc:AlternateContent>
-      </p:grpSp>
-      <p:pic>
-        <p:nvPicPr>
-          <p:cNvPr id="40" name="Picture 39" descr="A screenshot of a video game&#10;&#10;Description automatically generated">
-            <a:extLst>
-              <a:ext uri="{FF2B5EF4-FFF2-40B4-BE49-F238E27FC236}">
-                <a16:creationId xmlns:a16="http://schemas.microsoft.com/office/drawing/2014/main" id="{6D254115-170B-DF1C-E34D-EC02EE8159D8}"/>
-              </a:ext>
-            </a:extLst>
-          </p:cNvPr>
-          <p:cNvPicPr>
-            <a:picLocks noChangeAspect="1"/>
-          </p:cNvPicPr>
-          <p:nvPr/>
-        </p:nvPicPr>
-        <p:blipFill>
-          <a:blip r:embed="rId33">
-            <a:extLst>
-              <a:ext uri="{28A0092B-C50C-407E-A947-70E740481C1C}">
-                <a14:useLocalDpi xmlns:a14="http://schemas.microsoft.com/office/drawing/2010/main" val="0"/>
-              </a:ext>
-            </a:extLst>
-          </a:blip>
-          <a:stretch>
-            <a:fillRect/>
-          </a:stretch>
-        </p:blipFill>
-        <p:spPr>
-          <a:xfrm>
-            <a:off x="3860881" y="2972605"/>
-            <a:ext cx="5073118" cy="1944157"/>
+            <a:off x="1" y="554183"/>
+            <a:ext cx="9144000" cy="4589318"/>
           </a:xfrm>
           <a:prstGeom prst="rect">
             <a:avLst/>
@@ -32169,26 +30843,835 @@
       </p:sp>
       <p:sp>
         <p:nvSpPr>
-          <p:cNvPr id="3" name="Content Placeholder 2">
+          <p:cNvPr id="8" name="Rectangle 5">
             <a:extLst>
               <a:ext uri="{FF2B5EF4-FFF2-40B4-BE49-F238E27FC236}">
-                <a16:creationId xmlns:a16="http://schemas.microsoft.com/office/drawing/2014/main" id="{E9BCFC67-F5AA-8E05-39EC-73CBF3865066}"/>
+                <a16:creationId xmlns:a16="http://schemas.microsoft.com/office/drawing/2014/main" id="{A54677FB-F026-3D71-F5C6-8E0520EBF6A3}"/>
               </a:ext>
             </a:extLst>
           </p:cNvPr>
           <p:cNvSpPr>
-            <a:spLocks noGrp="1"/>
+            <a:spLocks noChangeArrowheads="1"/>
           </p:cNvSpPr>
-          <p:nvPr>
-            <p:ph idx="1"/>
-          </p:nvPr>
+          <p:nvPr/>
         </p:nvSpPr>
-        <p:spPr/>
+        <p:spPr bwMode="auto">
+          <a:xfrm>
+            <a:off x="0" y="0"/>
+            <a:ext cx="9144000" cy="15875"/>
+          </a:xfrm>
+          <a:prstGeom prst="rect">
+            <a:avLst/>
+          </a:prstGeom>
+          <a:solidFill>
+            <a:srgbClr val="000000"/>
+          </a:solidFill>
+          <a:ln w="9525">
+            <a:solidFill>
+              <a:schemeClr val="tx1"/>
+            </a:solidFill>
+            <a:prstDash val="solid"/>
+            <a:miter lim="800000"/>
+            <a:headEnd/>
+            <a:tailEnd/>
+          </a:ln>
+          <a:effectLst/>
+          <a:extLst>
+            <a:ext uri="{AF507438-7753-43E0-B8FC-AC1667EBCBE1}">
+              <a14:hiddenEffects xmlns:a14="http://schemas.microsoft.com/office/drawing/2010/main">
+                <a:effectLst>
+                  <a:outerShdw dist="35921" dir="2700000" algn="ctr" rotWithShape="0">
+                    <a:schemeClr val="bg2"/>
+                  </a:outerShdw>
+                </a:effectLst>
+              </a14:hiddenEffects>
+            </a:ext>
+          </a:extLst>
+        </p:spPr>
         <p:txBody>
-          <a:bodyPr/>
+          <a:bodyPr vert="horz" wrap="none" lIns="91440" tIns="45720" rIns="91440" bIns="45720" numCol="1" anchor="ctr" anchorCtr="0" compatLnSpc="1">
+            <a:prstTxWarp prst="textNoShape">
+              <a:avLst/>
+            </a:prstTxWarp>
+            <a:spAutoFit/>
+          </a:bodyPr>
           <a:lstStyle/>
           <a:p>
-            <a:endParaRPr lang="en-IN"/>
+            <a:endParaRPr lang="en-US"/>
+          </a:p>
+        </p:txBody>
+      </p:sp>
+      <p:sp>
+        <p:nvSpPr>
+          <p:cNvPr id="10" name="Rectangle 7">
+            <a:extLst>
+              <a:ext uri="{FF2B5EF4-FFF2-40B4-BE49-F238E27FC236}">
+                <a16:creationId xmlns:a16="http://schemas.microsoft.com/office/drawing/2014/main" id="{57D586B7-549E-17BE-4257-17B7F7C01F71}"/>
+              </a:ext>
+            </a:extLst>
+          </p:cNvPr>
+          <p:cNvSpPr>
+            <a:spLocks noChangeArrowheads="1"/>
+          </p:cNvSpPr>
+          <p:nvPr/>
+        </p:nvSpPr>
+        <p:spPr bwMode="auto">
+          <a:xfrm>
+            <a:off x="264873" y="1058509"/>
+            <a:ext cx="8617527" cy="3647152"/>
+          </a:xfrm>
+          <a:prstGeom prst="rect">
+            <a:avLst/>
+          </a:prstGeom>
+          <a:noFill/>
+          <a:ln>
+            <a:noFill/>
+          </a:ln>
+          <a:effectLst/>
+          <a:extLst>
+            <a:ext uri="{909E8E84-426E-40DD-AFC4-6F175D3DCCD1}">
+              <a14:hiddenFill xmlns:a14="http://schemas.microsoft.com/office/drawing/2010/main">
+                <a:solidFill>
+                  <a:schemeClr val="accent1"/>
+                </a:solidFill>
+              </a14:hiddenFill>
+            </a:ext>
+            <a:ext uri="{91240B29-F687-4F45-9708-019B960494DF}">
+              <a14:hiddenLine xmlns:a14="http://schemas.microsoft.com/office/drawing/2010/main" w="9525">
+                <a:solidFill>
+                  <a:schemeClr val="tx1"/>
+                </a:solidFill>
+                <a:miter lim="800000"/>
+                <a:headEnd/>
+                <a:tailEnd/>
+              </a14:hiddenLine>
+            </a:ext>
+            <a:ext uri="{AF507438-7753-43E0-B8FC-AC1667EBCBE1}">
+              <a14:hiddenEffects xmlns:a14="http://schemas.microsoft.com/office/drawing/2010/main">
+                <a:effectLst>
+                  <a:outerShdw dist="35921" dir="2700000" algn="ctr" rotWithShape="0">
+                    <a:schemeClr val="bg2"/>
+                  </a:outerShdw>
+                </a:effectLst>
+              </a14:hiddenEffects>
+            </a:ext>
+          </a:extLst>
+        </p:spPr>
+        <p:txBody>
+          <a:bodyPr vert="horz" wrap="square" lIns="91440" tIns="45720" rIns="91440" bIns="45720" numCol="1" anchor="ctr" anchorCtr="0" compatLnSpc="1">
+            <a:prstTxWarp prst="textNoShape">
+              <a:avLst/>
+            </a:prstTxWarp>
+            <a:spAutoFit/>
+          </a:bodyPr>
+          <a:lstStyle/>
+          <a:p>
+            <a:pPr marL="0" marR="0" lvl="0" indent="0" algn="l" defTabSz="914400" rtl="0" eaLnBrk="0" fontAlgn="base" latinLnBrk="0" hangingPunct="0">
+              <a:lnSpc>
+                <a:spcPct val="100000"/>
+              </a:lnSpc>
+              <a:spcBef>
+                <a:spcPct val="0"/>
+              </a:spcBef>
+              <a:spcAft>
+                <a:spcPct val="0"/>
+              </a:spcAft>
+              <a:buClrTx/>
+              <a:buSzTx/>
+              <a:buFontTx/>
+              <a:buNone/>
+              <a:tabLst/>
+            </a:pPr>
+            <a:endParaRPr kumimoji="0" lang="en-US" altLang="en-US" sz="1200" b="0" i="0" u="none" strike="noStrike" cap="none" normalizeH="0" baseline="0" dirty="0">
+              <a:ln>
+                <a:noFill/>
+              </a:ln>
+              <a:solidFill>
+                <a:schemeClr val="tx1"/>
+              </a:solidFill>
+              <a:effectLst/>
+              <a:latin typeface="Arial" panose="020B0604020202020204" pitchFamily="34" charset="0"/>
+            </a:endParaRPr>
+          </a:p>
+          <a:p>
+            <a:pPr marL="0" marR="0" lvl="0" indent="0" algn="l" defTabSz="914400" rtl="0" eaLnBrk="0" fontAlgn="base" latinLnBrk="0" hangingPunct="0">
+              <a:lnSpc>
+                <a:spcPct val="100000"/>
+              </a:lnSpc>
+              <a:spcBef>
+                <a:spcPct val="0"/>
+              </a:spcBef>
+              <a:spcAft>
+                <a:spcPct val="0"/>
+              </a:spcAft>
+              <a:buClrTx/>
+              <a:buSzTx/>
+              <a:buFontTx/>
+              <a:buAutoNum type="arabicPeriod"/>
+              <a:tabLst/>
+            </a:pPr>
+            <a:r>
+              <a:rPr kumimoji="0" lang="en-US" altLang="en-US" sz="1200" b="1" i="0" u="none" strike="noStrike" cap="none" normalizeH="0" baseline="0" dirty="0">
+                <a:ln>
+                  <a:noFill/>
+                </a:ln>
+                <a:solidFill>
+                  <a:schemeClr val="tx1"/>
+                </a:solidFill>
+                <a:effectLst/>
+                <a:latin typeface="Arial" panose="020B0604020202020204" pitchFamily="34" charset="0"/>
+              </a:rPr>
+              <a:t>Wind Tunnel Testing</a:t>
+            </a:r>
+            <a:r>
+              <a:rPr kumimoji="0" lang="en-US" altLang="en-US" sz="1200" b="0" i="0" u="none" strike="noStrike" cap="none" normalizeH="0" baseline="0" dirty="0">
+                <a:ln>
+                  <a:noFill/>
+                </a:ln>
+                <a:solidFill>
+                  <a:schemeClr val="tx1"/>
+                </a:solidFill>
+                <a:effectLst/>
+                <a:latin typeface="Arial" panose="020B0604020202020204" pitchFamily="34" charset="0"/>
+              </a:rPr>
+              <a:t>:</a:t>
+            </a:r>
+          </a:p>
+          <a:p>
+            <a:pPr marL="514350" lvl="1" indent="-171450" defTabSz="914400" eaLnBrk="0" fontAlgn="base" hangingPunct="0">
+              <a:spcBef>
+                <a:spcPct val="0"/>
+              </a:spcBef>
+              <a:spcAft>
+                <a:spcPct val="0"/>
+              </a:spcAft>
+              <a:buFont typeface="Arial" panose="020B0604020202020204" pitchFamily="34" charset="0"/>
+              <a:buChar char="•"/>
+            </a:pPr>
+            <a:r>
+              <a:rPr kumimoji="0" lang="en-US" altLang="en-US" sz="1050" b="0" i="0" u="none" strike="noStrike" cap="none" normalizeH="0" baseline="0" dirty="0">
+                <a:ln>
+                  <a:noFill/>
+                </a:ln>
+                <a:solidFill>
+                  <a:schemeClr val="tx1"/>
+                </a:solidFill>
+                <a:effectLst/>
+                <a:latin typeface="Arial" panose="020B0604020202020204" pitchFamily="34" charset="0"/>
+              </a:rPr>
+              <a:t>Test turbine prototypes under controlled airflow to evaluate performance at different wind speeds.</a:t>
+            </a:r>
+          </a:p>
+          <a:p>
+            <a:pPr marL="514350" lvl="1" indent="-171450" defTabSz="914400" eaLnBrk="0" fontAlgn="base" hangingPunct="0">
+              <a:spcBef>
+                <a:spcPct val="0"/>
+              </a:spcBef>
+              <a:spcAft>
+                <a:spcPct val="0"/>
+              </a:spcAft>
+              <a:buFont typeface="Arial" panose="020B0604020202020204" pitchFamily="34" charset="0"/>
+              <a:buChar char="•"/>
+            </a:pPr>
+            <a:r>
+              <a:rPr kumimoji="0" lang="en-US" altLang="en-US" sz="1050" b="0" i="0" u="none" strike="noStrike" cap="none" normalizeH="0" baseline="0" dirty="0">
+                <a:ln>
+                  <a:noFill/>
+                </a:ln>
+                <a:solidFill>
+                  <a:schemeClr val="tx1"/>
+                </a:solidFill>
+                <a:effectLst/>
+                <a:latin typeface="Arial" panose="020B0604020202020204" pitchFamily="34" charset="0"/>
+              </a:rPr>
+              <a:t>Measure power output, efficiency, and drag forces.</a:t>
+            </a:r>
+          </a:p>
+          <a:p>
+            <a:pPr marL="514350" lvl="1" indent="-171450" defTabSz="914400" eaLnBrk="0" fontAlgn="base" hangingPunct="0">
+              <a:spcBef>
+                <a:spcPct val="0"/>
+              </a:spcBef>
+              <a:spcAft>
+                <a:spcPct val="0"/>
+              </a:spcAft>
+              <a:buFont typeface="Arial" panose="020B0604020202020204" pitchFamily="34" charset="0"/>
+              <a:buChar char="•"/>
+            </a:pPr>
+            <a:r>
+              <a:rPr kumimoji="0" lang="en-US" altLang="en-US" sz="1050" b="0" i="0" u="none" strike="noStrike" cap="none" normalizeH="0" baseline="0" dirty="0">
+                <a:ln>
+                  <a:noFill/>
+                </a:ln>
+                <a:solidFill>
+                  <a:schemeClr val="tx1"/>
+                </a:solidFill>
+                <a:effectLst/>
+                <a:latin typeface="Arial" panose="020B0604020202020204" pitchFamily="34" charset="0"/>
+              </a:rPr>
+              <a:t>Optimize blade design and turbine placement based on results.</a:t>
+            </a:r>
+          </a:p>
+          <a:p>
+            <a:pPr marL="0" marR="0" lvl="0" indent="0" algn="l" defTabSz="914400" rtl="0" eaLnBrk="0" fontAlgn="base" latinLnBrk="0" hangingPunct="0">
+              <a:lnSpc>
+                <a:spcPct val="100000"/>
+              </a:lnSpc>
+              <a:spcBef>
+                <a:spcPct val="0"/>
+              </a:spcBef>
+              <a:spcAft>
+                <a:spcPct val="0"/>
+              </a:spcAft>
+              <a:buClrTx/>
+              <a:buSzTx/>
+              <a:buFontTx/>
+              <a:buAutoNum type="arabicPeriod" startAt="2"/>
+              <a:tabLst/>
+            </a:pPr>
+            <a:r>
+              <a:rPr kumimoji="0" lang="en-US" altLang="en-US" sz="1200" b="1" i="0" u="none" strike="noStrike" cap="none" normalizeH="0" baseline="0" dirty="0">
+                <a:ln>
+                  <a:noFill/>
+                </a:ln>
+                <a:solidFill>
+                  <a:schemeClr val="tx1"/>
+                </a:solidFill>
+                <a:effectLst/>
+                <a:latin typeface="Arial" panose="020B0604020202020204" pitchFamily="34" charset="0"/>
+              </a:rPr>
+              <a:t>On-Road Testing</a:t>
+            </a:r>
+            <a:r>
+              <a:rPr kumimoji="0" lang="en-US" altLang="en-US" sz="1200" b="0" i="0" u="none" strike="noStrike" cap="none" normalizeH="0" baseline="0" dirty="0">
+                <a:ln>
+                  <a:noFill/>
+                </a:ln>
+                <a:solidFill>
+                  <a:schemeClr val="tx1"/>
+                </a:solidFill>
+                <a:effectLst/>
+                <a:latin typeface="Arial" panose="020B0604020202020204" pitchFamily="34" charset="0"/>
+              </a:rPr>
+              <a:t>:</a:t>
+            </a:r>
+          </a:p>
+          <a:p>
+            <a:pPr marL="514350" lvl="1" indent="-171450" defTabSz="914400" eaLnBrk="0" fontAlgn="base" hangingPunct="0">
+              <a:spcBef>
+                <a:spcPct val="0"/>
+              </a:spcBef>
+              <a:spcAft>
+                <a:spcPct val="0"/>
+              </a:spcAft>
+              <a:buFont typeface="Arial" panose="020B0604020202020204" pitchFamily="34" charset="0"/>
+              <a:buChar char="•"/>
+            </a:pPr>
+            <a:r>
+              <a:rPr kumimoji="0" lang="en-US" altLang="en-US" sz="1050" b="0" i="0" u="none" strike="noStrike" cap="none" normalizeH="0" baseline="0" dirty="0">
+                <a:ln>
+                  <a:noFill/>
+                </a:ln>
+                <a:solidFill>
+                  <a:schemeClr val="tx1"/>
+                </a:solidFill>
+                <a:effectLst/>
+                <a:latin typeface="Arial" panose="020B0604020202020204" pitchFamily="34" charset="0"/>
+              </a:rPr>
+              <a:t>Install prototypes on test vehicles (e.g., electric scooters, buses).</a:t>
+            </a:r>
+          </a:p>
+          <a:p>
+            <a:pPr marL="514350" lvl="1" indent="-171450" defTabSz="914400" eaLnBrk="0" fontAlgn="base" hangingPunct="0">
+              <a:spcBef>
+                <a:spcPct val="0"/>
+              </a:spcBef>
+              <a:spcAft>
+                <a:spcPct val="0"/>
+              </a:spcAft>
+              <a:buFont typeface="Arial" panose="020B0604020202020204" pitchFamily="34" charset="0"/>
+              <a:buChar char="•"/>
+            </a:pPr>
+            <a:r>
+              <a:rPr kumimoji="0" lang="en-US" altLang="en-US" sz="1050" b="0" i="0" u="none" strike="noStrike" cap="none" normalizeH="0" baseline="0" dirty="0">
+                <a:ln>
+                  <a:noFill/>
+                </a:ln>
+                <a:solidFill>
+                  <a:schemeClr val="tx1"/>
+                </a:solidFill>
+                <a:effectLst/>
+                <a:latin typeface="Arial" panose="020B0604020202020204" pitchFamily="34" charset="0"/>
+              </a:rPr>
+              <a:t>Measure real-world performance in different conditions (highways, city traffic, idle stops).</a:t>
+            </a:r>
+          </a:p>
+          <a:p>
+            <a:pPr marL="514350" lvl="1" indent="-171450" defTabSz="914400" eaLnBrk="0" fontAlgn="base" hangingPunct="0">
+              <a:spcBef>
+                <a:spcPct val="0"/>
+              </a:spcBef>
+              <a:spcAft>
+                <a:spcPct val="0"/>
+              </a:spcAft>
+              <a:buFont typeface="Arial" panose="020B0604020202020204" pitchFamily="34" charset="0"/>
+              <a:buChar char="•"/>
+            </a:pPr>
+            <a:r>
+              <a:rPr kumimoji="0" lang="en-US" altLang="en-US" sz="1050" b="0" i="0" u="none" strike="noStrike" cap="none" normalizeH="0" baseline="0" dirty="0">
+                <a:ln>
+                  <a:noFill/>
+                </a:ln>
+                <a:solidFill>
+                  <a:schemeClr val="tx1"/>
+                </a:solidFill>
+                <a:effectLst/>
+                <a:latin typeface="Arial" panose="020B0604020202020204" pitchFamily="34" charset="0"/>
+              </a:rPr>
+              <a:t>Analyze data for:</a:t>
+            </a:r>
+          </a:p>
+          <a:p>
+            <a:pPr marL="1200150" lvl="3" indent="-171450" defTabSz="914400" eaLnBrk="0" fontAlgn="base" hangingPunct="0">
+              <a:spcBef>
+                <a:spcPct val="0"/>
+              </a:spcBef>
+              <a:spcAft>
+                <a:spcPct val="0"/>
+              </a:spcAft>
+              <a:buFont typeface="Arial" panose="020B0604020202020204" pitchFamily="34" charset="0"/>
+              <a:buChar char="•"/>
+            </a:pPr>
+            <a:r>
+              <a:rPr kumimoji="0" lang="en-US" altLang="en-US" sz="1050" b="0" i="0" u="none" strike="noStrike" cap="none" normalizeH="0" baseline="0" dirty="0">
+                <a:ln>
+                  <a:noFill/>
+                </a:ln>
+                <a:solidFill>
+                  <a:schemeClr val="tx1"/>
+                </a:solidFill>
+                <a:effectLst/>
+                <a:latin typeface="Arial" panose="020B0604020202020204" pitchFamily="34" charset="0"/>
+              </a:rPr>
+              <a:t>Power generated (kWh).</a:t>
+            </a:r>
+          </a:p>
+          <a:p>
+            <a:pPr marL="1200150" lvl="3" indent="-171450" defTabSz="914400" eaLnBrk="0" fontAlgn="base" hangingPunct="0">
+              <a:spcBef>
+                <a:spcPct val="0"/>
+              </a:spcBef>
+              <a:spcAft>
+                <a:spcPct val="0"/>
+              </a:spcAft>
+              <a:buFont typeface="Arial" panose="020B0604020202020204" pitchFamily="34" charset="0"/>
+              <a:buChar char="•"/>
+            </a:pPr>
+            <a:r>
+              <a:rPr kumimoji="0" lang="en-US" altLang="en-US" sz="1050" b="0" i="0" u="none" strike="noStrike" cap="none" normalizeH="0" baseline="0" dirty="0">
+                <a:ln>
+                  <a:noFill/>
+                </a:ln>
+                <a:solidFill>
+                  <a:schemeClr val="tx1"/>
+                </a:solidFill>
+                <a:effectLst/>
+                <a:latin typeface="Arial" panose="020B0604020202020204" pitchFamily="34" charset="0"/>
+              </a:rPr>
+              <a:t>Energy recovery efficiency (%).</a:t>
+            </a:r>
+          </a:p>
+          <a:p>
+            <a:pPr marL="1200150" lvl="3" indent="-171450" defTabSz="914400" eaLnBrk="0" fontAlgn="base" hangingPunct="0">
+              <a:spcBef>
+                <a:spcPct val="0"/>
+              </a:spcBef>
+              <a:spcAft>
+                <a:spcPct val="0"/>
+              </a:spcAft>
+              <a:buFont typeface="Arial" panose="020B0604020202020204" pitchFamily="34" charset="0"/>
+              <a:buChar char="•"/>
+            </a:pPr>
+            <a:r>
+              <a:rPr kumimoji="0" lang="en-US" altLang="en-US" sz="1050" b="0" i="0" u="none" strike="noStrike" cap="none" normalizeH="0" baseline="0" dirty="0">
+                <a:ln>
+                  <a:noFill/>
+                </a:ln>
+                <a:solidFill>
+                  <a:schemeClr val="tx1"/>
+                </a:solidFill>
+                <a:effectLst/>
+                <a:latin typeface="Arial" panose="020B0604020202020204" pitchFamily="34" charset="0"/>
+              </a:rPr>
+              <a:t>Impact on vehicle aerodynamics and fuel/electric efficiency.</a:t>
+            </a:r>
+          </a:p>
+          <a:p>
+            <a:pPr marL="457200" marR="0" lvl="1" indent="0" algn="l" defTabSz="914400" rtl="0" eaLnBrk="0" fontAlgn="base" latinLnBrk="0" hangingPunct="0">
+              <a:lnSpc>
+                <a:spcPct val="100000"/>
+              </a:lnSpc>
+              <a:spcBef>
+                <a:spcPct val="0"/>
+              </a:spcBef>
+              <a:spcAft>
+                <a:spcPct val="0"/>
+              </a:spcAft>
+              <a:buClrTx/>
+              <a:buSzTx/>
+              <a:buFontTx/>
+              <a:buChar char="•"/>
+              <a:tabLst/>
+            </a:pPr>
+            <a:r>
+              <a:rPr kumimoji="0" lang="en-US" altLang="en-US" sz="1050" b="0" i="0" u="none" strike="noStrike" cap="none" normalizeH="0" baseline="0" dirty="0">
+                <a:ln>
+                  <a:noFill/>
+                </a:ln>
+                <a:solidFill>
+                  <a:schemeClr val="tx1"/>
+                </a:solidFill>
+                <a:effectLst/>
+                <a:latin typeface="Arial" panose="020B0604020202020204" pitchFamily="34" charset="0"/>
+              </a:rPr>
+              <a:t>Evaluate performance across speeds:</a:t>
+            </a:r>
+          </a:p>
+          <a:p>
+            <a:pPr marL="1143000" lvl="3" defTabSz="914400" eaLnBrk="0" fontAlgn="base" hangingPunct="0">
+              <a:spcBef>
+                <a:spcPct val="0"/>
+              </a:spcBef>
+              <a:spcAft>
+                <a:spcPct val="0"/>
+              </a:spcAft>
+              <a:buFontTx/>
+              <a:buChar char="•"/>
+            </a:pPr>
+            <a:r>
+              <a:rPr kumimoji="0" lang="en-US" altLang="en-US" sz="1050" b="1" i="0" u="none" strike="noStrike" cap="none" normalizeH="0" baseline="0" dirty="0">
+                <a:ln>
+                  <a:noFill/>
+                </a:ln>
+                <a:solidFill>
+                  <a:schemeClr val="tx1"/>
+                </a:solidFill>
+                <a:effectLst/>
+                <a:latin typeface="Arial" panose="020B0604020202020204" pitchFamily="34" charset="0"/>
+              </a:rPr>
+              <a:t>Highway speeds</a:t>
+            </a:r>
+            <a:r>
+              <a:rPr kumimoji="0" lang="en-US" altLang="en-US" sz="1050" b="0" i="0" u="none" strike="noStrike" cap="none" normalizeH="0" baseline="0" dirty="0">
+                <a:ln>
+                  <a:noFill/>
+                </a:ln>
+                <a:solidFill>
+                  <a:schemeClr val="tx1"/>
+                </a:solidFill>
+                <a:effectLst/>
+                <a:latin typeface="Arial" panose="020B0604020202020204" pitchFamily="34" charset="0"/>
+              </a:rPr>
+              <a:t>: Maximum airflow utilization.</a:t>
+            </a:r>
+          </a:p>
+          <a:p>
+            <a:pPr marL="1143000" lvl="3" defTabSz="914400" eaLnBrk="0" fontAlgn="base" hangingPunct="0">
+              <a:spcBef>
+                <a:spcPct val="0"/>
+              </a:spcBef>
+              <a:spcAft>
+                <a:spcPct val="0"/>
+              </a:spcAft>
+              <a:buFontTx/>
+              <a:buChar char="•"/>
+            </a:pPr>
+            <a:r>
+              <a:rPr kumimoji="0" lang="en-US" altLang="en-US" sz="1050" b="1" i="0" u="none" strike="noStrike" cap="none" normalizeH="0" baseline="0" dirty="0">
+                <a:ln>
+                  <a:noFill/>
+                </a:ln>
+                <a:solidFill>
+                  <a:schemeClr val="tx1"/>
+                </a:solidFill>
+                <a:effectLst/>
+                <a:latin typeface="Arial" panose="020B0604020202020204" pitchFamily="34" charset="0"/>
+              </a:rPr>
+              <a:t>Low speeds</a:t>
+            </a:r>
+            <a:r>
+              <a:rPr kumimoji="0" lang="en-US" altLang="en-US" sz="1050" b="0" i="0" u="none" strike="noStrike" cap="none" normalizeH="0" baseline="0" dirty="0">
+                <a:ln>
+                  <a:noFill/>
+                </a:ln>
+                <a:solidFill>
+                  <a:schemeClr val="tx1"/>
+                </a:solidFill>
+                <a:effectLst/>
+                <a:latin typeface="Arial" panose="020B0604020202020204" pitchFamily="34" charset="0"/>
+              </a:rPr>
+              <a:t>: Analyze inefficiencies and energy outputs.</a:t>
+            </a:r>
+          </a:p>
+          <a:p>
+            <a:pPr marL="0" marR="0" lvl="0" indent="0" algn="l" defTabSz="914400" rtl="0" eaLnBrk="0" fontAlgn="base" latinLnBrk="0" hangingPunct="0">
+              <a:lnSpc>
+                <a:spcPct val="100000"/>
+              </a:lnSpc>
+              <a:spcBef>
+                <a:spcPct val="0"/>
+              </a:spcBef>
+              <a:spcAft>
+                <a:spcPct val="0"/>
+              </a:spcAft>
+              <a:buClrTx/>
+              <a:buSzTx/>
+              <a:buFontTx/>
+              <a:buAutoNum type="arabicPeriod" startAt="3"/>
+              <a:tabLst/>
+            </a:pPr>
+            <a:r>
+              <a:rPr kumimoji="0" lang="en-US" altLang="en-US" sz="1200" b="1" i="0" u="none" strike="noStrike" cap="none" normalizeH="0" baseline="0" dirty="0">
+                <a:ln>
+                  <a:noFill/>
+                </a:ln>
+                <a:solidFill>
+                  <a:schemeClr val="tx1"/>
+                </a:solidFill>
+                <a:effectLst/>
+                <a:latin typeface="Arial" panose="020B0604020202020204" pitchFamily="34" charset="0"/>
+              </a:rPr>
+              <a:t>Performance Optimization</a:t>
+            </a:r>
+            <a:r>
+              <a:rPr kumimoji="0" lang="en-US" altLang="en-US" sz="1200" b="0" i="0" u="none" strike="noStrike" cap="none" normalizeH="0" baseline="0" dirty="0">
+                <a:ln>
+                  <a:noFill/>
+                </a:ln>
+                <a:solidFill>
+                  <a:schemeClr val="tx1"/>
+                </a:solidFill>
+                <a:effectLst/>
+                <a:latin typeface="Arial" panose="020B0604020202020204" pitchFamily="34" charset="0"/>
+              </a:rPr>
+              <a:t>:</a:t>
+            </a:r>
+          </a:p>
+          <a:p>
+            <a:pPr marL="457200" marR="0" lvl="1" indent="0" algn="l" defTabSz="914400" rtl="0" eaLnBrk="0" fontAlgn="base" latinLnBrk="0" hangingPunct="0">
+              <a:lnSpc>
+                <a:spcPct val="100000"/>
+              </a:lnSpc>
+              <a:spcBef>
+                <a:spcPct val="0"/>
+              </a:spcBef>
+              <a:spcAft>
+                <a:spcPct val="0"/>
+              </a:spcAft>
+              <a:buClrTx/>
+              <a:buSzTx/>
+              <a:buFontTx/>
+              <a:buChar char="•"/>
+              <a:tabLst/>
+            </a:pPr>
+            <a:r>
+              <a:rPr kumimoji="0" lang="en-US" altLang="en-US" sz="1050" b="0" i="0" u="none" strike="noStrike" cap="none" normalizeH="0" baseline="0" dirty="0">
+                <a:ln>
+                  <a:noFill/>
+                </a:ln>
+                <a:solidFill>
+                  <a:schemeClr val="tx1"/>
+                </a:solidFill>
+                <a:effectLst/>
+                <a:latin typeface="Arial" panose="020B0604020202020204" pitchFamily="34" charset="0"/>
+              </a:rPr>
+              <a:t>Refine blade shape, material, and placement to maximize energy recovery while minimizing drag.</a:t>
+            </a:r>
+          </a:p>
+          <a:p>
+            <a:pPr marL="457200" marR="0" lvl="1" indent="0" algn="l" defTabSz="914400" rtl="0" eaLnBrk="0" fontAlgn="base" latinLnBrk="0" hangingPunct="0">
+              <a:lnSpc>
+                <a:spcPct val="100000"/>
+              </a:lnSpc>
+              <a:spcBef>
+                <a:spcPct val="0"/>
+              </a:spcBef>
+              <a:spcAft>
+                <a:spcPct val="0"/>
+              </a:spcAft>
+              <a:buClrTx/>
+              <a:buSzTx/>
+              <a:buFontTx/>
+              <a:buChar char="•"/>
+              <a:tabLst/>
+            </a:pPr>
+            <a:r>
+              <a:rPr kumimoji="0" lang="en-US" altLang="en-US" sz="1050" b="0" i="0" u="none" strike="noStrike" cap="none" normalizeH="0" baseline="0" dirty="0">
+                <a:ln>
+                  <a:noFill/>
+                </a:ln>
+                <a:solidFill>
+                  <a:schemeClr val="tx1"/>
+                </a:solidFill>
+                <a:effectLst/>
+                <a:latin typeface="Arial" panose="020B0604020202020204" pitchFamily="34" charset="0"/>
+              </a:rPr>
+              <a:t>Use control systems to activate turbines only during high-speed conditions to avoid energy loss at low speeds.</a:t>
+            </a:r>
+            <a:endParaRPr kumimoji="0" lang="en-US" altLang="en-US" sz="1200" b="0" i="0" u="none" strike="noStrike" cap="none" normalizeH="0" baseline="0" dirty="0">
+              <a:ln>
+                <a:noFill/>
+              </a:ln>
+              <a:solidFill>
+                <a:schemeClr val="tx1"/>
+              </a:solidFill>
+              <a:effectLst/>
+              <a:latin typeface="Arial" panose="020B0604020202020204" pitchFamily="34" charset="0"/>
+            </a:endParaRPr>
+          </a:p>
+          <a:p>
+            <a:pPr marL="0" marR="0" lvl="0" indent="0" algn="l" defTabSz="914400" rtl="0" eaLnBrk="0" fontAlgn="base" latinLnBrk="0" hangingPunct="0">
+              <a:lnSpc>
+                <a:spcPct val="100000"/>
+              </a:lnSpc>
+              <a:spcBef>
+                <a:spcPct val="0"/>
+              </a:spcBef>
+              <a:spcAft>
+                <a:spcPct val="0"/>
+              </a:spcAft>
+              <a:buClrTx/>
+              <a:buSzTx/>
+              <a:buFontTx/>
+              <a:buNone/>
+              <a:tabLst/>
+            </a:pPr>
+            <a:endParaRPr kumimoji="0" lang="en-US" altLang="en-US" sz="1200" b="0" i="0" u="none" strike="noStrike" cap="none" normalizeH="0" baseline="0" dirty="0">
+              <a:ln>
+                <a:noFill/>
+              </a:ln>
+              <a:solidFill>
+                <a:schemeClr val="tx1"/>
+              </a:solidFill>
+              <a:effectLst/>
+              <a:latin typeface="Arial" panose="020B0604020202020204" pitchFamily="34" charset="0"/>
+            </a:endParaRPr>
+          </a:p>
+          <a:p>
+            <a:pPr marL="457200" marR="0" lvl="1" indent="0" algn="l" defTabSz="914400" rtl="0" eaLnBrk="0" fontAlgn="base" latinLnBrk="0" hangingPunct="0">
+              <a:lnSpc>
+                <a:spcPct val="100000"/>
+              </a:lnSpc>
+              <a:spcBef>
+                <a:spcPct val="0"/>
+              </a:spcBef>
+              <a:spcAft>
+                <a:spcPct val="0"/>
+              </a:spcAft>
+              <a:buClrTx/>
+              <a:buSzTx/>
+              <a:buFontTx/>
+              <a:buChar char="•"/>
+              <a:tabLst/>
+            </a:pPr>
+            <a:endParaRPr kumimoji="0" lang="en-US" altLang="en-US" sz="1200" b="0" i="0" u="none" strike="noStrike" cap="none" normalizeH="0" baseline="0" dirty="0">
+              <a:ln>
+                <a:noFill/>
+              </a:ln>
+              <a:solidFill>
+                <a:schemeClr val="tx1"/>
+              </a:solidFill>
+              <a:effectLst/>
+              <a:latin typeface="Arial" panose="020B0604020202020204" pitchFamily="34" charset="0"/>
+            </a:endParaRPr>
+          </a:p>
+          <a:p>
+            <a:pPr marL="0" marR="0" lvl="0" indent="0" algn="l" defTabSz="914400" rtl="0" eaLnBrk="0" fontAlgn="base" latinLnBrk="0" hangingPunct="0">
+              <a:lnSpc>
+                <a:spcPct val="100000"/>
+              </a:lnSpc>
+              <a:spcBef>
+                <a:spcPct val="0"/>
+              </a:spcBef>
+              <a:spcAft>
+                <a:spcPct val="0"/>
+              </a:spcAft>
+              <a:buClrTx/>
+              <a:buSzTx/>
+              <a:buFontTx/>
+              <a:buNone/>
+              <a:tabLst/>
+            </a:pPr>
+            <a:endParaRPr kumimoji="0" lang="en-US" altLang="en-US" sz="1200" b="0" i="0" u="none" strike="noStrike" cap="none" normalizeH="0" baseline="0" dirty="0">
+              <a:ln>
+                <a:noFill/>
+              </a:ln>
+              <a:solidFill>
+                <a:schemeClr val="tx1"/>
+              </a:solidFill>
+              <a:effectLst/>
+              <a:latin typeface="Arial" panose="020B0604020202020204" pitchFamily="34" charset="0"/>
+            </a:endParaRPr>
+          </a:p>
+        </p:txBody>
+      </p:sp>
+      <p:sp>
+        <p:nvSpPr>
+          <p:cNvPr id="11" name="Rectangle 8">
+            <a:extLst>
+              <a:ext uri="{FF2B5EF4-FFF2-40B4-BE49-F238E27FC236}">
+                <a16:creationId xmlns:a16="http://schemas.microsoft.com/office/drawing/2014/main" id="{751E753D-F7DD-D533-1F07-2754E18505F2}"/>
+              </a:ext>
+            </a:extLst>
+          </p:cNvPr>
+          <p:cNvSpPr>
+            <a:spLocks noChangeArrowheads="1"/>
+          </p:cNvSpPr>
+          <p:nvPr/>
+        </p:nvSpPr>
+        <p:spPr bwMode="auto">
+          <a:xfrm>
+            <a:off x="0" y="0"/>
+            <a:ext cx="9144000" cy="15875"/>
+          </a:xfrm>
+          <a:prstGeom prst="rect">
+            <a:avLst/>
+          </a:prstGeom>
+          <a:solidFill>
+            <a:srgbClr val="000000"/>
+          </a:solidFill>
+          <a:ln w="9525">
+            <a:solidFill>
+              <a:schemeClr val="tx1"/>
+            </a:solidFill>
+            <a:prstDash val="solid"/>
+            <a:miter lim="800000"/>
+            <a:headEnd/>
+            <a:tailEnd/>
+          </a:ln>
+          <a:effectLst/>
+          <a:extLst>
+            <a:ext uri="{AF507438-7753-43E0-B8FC-AC1667EBCBE1}">
+              <a14:hiddenEffects xmlns:a14="http://schemas.microsoft.com/office/drawing/2010/main">
+                <a:effectLst>
+                  <a:outerShdw dist="35921" dir="2700000" algn="ctr" rotWithShape="0">
+                    <a:schemeClr val="bg2"/>
+                  </a:outerShdw>
+                </a:effectLst>
+              </a14:hiddenEffects>
+            </a:ext>
+          </a:extLst>
+        </p:spPr>
+        <p:txBody>
+          <a:bodyPr vert="horz" wrap="none" lIns="91440" tIns="45720" rIns="91440" bIns="45720" numCol="1" anchor="ctr" anchorCtr="0" compatLnSpc="1">
+            <a:prstTxWarp prst="textNoShape">
+              <a:avLst/>
+            </a:prstTxWarp>
+            <a:spAutoFit/>
+          </a:bodyPr>
+          <a:lstStyle/>
+          <a:p>
+            <a:endParaRPr lang="en-US"/>
           </a:p>
         </p:txBody>
       </p:sp>
@@ -32269,7 +31752,7 @@
             <p:ph idx="1"/>
             <p:extLst>
               <p:ext uri="{D42A27DB-BD31-4B8C-83A1-F6EECF244321}">
-                <p14:modId xmlns:p14="http://schemas.microsoft.com/office/powerpoint/2010/main" val="243874224"/>
+                <p14:modId xmlns:p14="http://schemas.microsoft.com/office/powerpoint/2010/main" val="1423782455"/>
               </p:ext>
             </p:extLst>
           </p:nvPr>
@@ -32558,7 +32041,7 @@
                     <a:p>
                       <a:r>
                         <a:rPr lang="en-US" dirty="0"/>
-                        <a:t>₹45,600 – ₹1,07,900</a:t>
+                        <a:t>₹22,300 – ₹67,900</a:t>
                       </a:r>
                     </a:p>
                   </a:txBody>
@@ -32650,26 +32133,934 @@
       </p:sp>
       <p:sp>
         <p:nvSpPr>
-          <p:cNvPr id="3" name="Content Placeholder 2">
+          <p:cNvPr id="10" name="Rectangle 1">
             <a:extLst>
               <a:ext uri="{FF2B5EF4-FFF2-40B4-BE49-F238E27FC236}">
-                <a16:creationId xmlns:a16="http://schemas.microsoft.com/office/drawing/2014/main" id="{E9BCFC67-F5AA-8E05-39EC-73CBF3865066}"/>
+                <a16:creationId xmlns:a16="http://schemas.microsoft.com/office/drawing/2014/main" id="{43623B1E-04FE-72D8-0C89-D97622C7F61F}"/>
               </a:ext>
             </a:extLst>
           </p:cNvPr>
           <p:cNvSpPr>
-            <a:spLocks noGrp="1"/>
+            <a:spLocks noGrp="1" noChangeArrowheads="1"/>
           </p:cNvSpPr>
           <p:nvPr>
             <p:ph idx="1"/>
           </p:nvPr>
         </p:nvSpPr>
-        <p:spPr/>
+        <p:spPr bwMode="auto">
+          <a:xfrm>
+            <a:off x="128972" y="968550"/>
+            <a:ext cx="8886055" cy="3985706"/>
+          </a:xfrm>
+          <a:prstGeom prst="rect">
+            <a:avLst/>
+          </a:prstGeom>
+          <a:noFill/>
+          <a:ln>
+            <a:noFill/>
+          </a:ln>
+          <a:effectLst/>
+          <a:extLst>
+            <a:ext uri="{909E8E84-426E-40DD-AFC4-6F175D3DCCD1}">
+              <a14:hiddenFill xmlns:a14="http://schemas.microsoft.com/office/drawing/2010/main">
+                <a:solidFill>
+                  <a:schemeClr val="accent1"/>
+                </a:solidFill>
+              </a14:hiddenFill>
+            </a:ext>
+            <a:ext uri="{91240B29-F687-4F45-9708-019B960494DF}">
+              <a14:hiddenLine xmlns:a14="http://schemas.microsoft.com/office/drawing/2010/main" w="9525">
+                <a:solidFill>
+                  <a:schemeClr val="tx1"/>
+                </a:solidFill>
+                <a:miter lim="800000"/>
+                <a:headEnd/>
+                <a:tailEnd/>
+              </a14:hiddenLine>
+            </a:ext>
+            <a:ext uri="{AF507438-7753-43E0-B8FC-AC1667EBCBE1}">
+              <a14:hiddenEffects xmlns:a14="http://schemas.microsoft.com/office/drawing/2010/main">
+                <a:effectLst>
+                  <a:outerShdw dist="35921" dir="2700000" algn="ctr" rotWithShape="0">
+                    <a:schemeClr val="bg2"/>
+                  </a:outerShdw>
+                </a:effectLst>
+              </a14:hiddenEffects>
+            </a:ext>
+          </a:extLst>
+        </p:spPr>
         <p:txBody>
-          <a:bodyPr/>
+          <a:bodyPr vert="horz" wrap="square" lIns="91440" tIns="45720" rIns="91440" bIns="45720" numCol="1" anchor="ctr" anchorCtr="0" compatLnSpc="1">
+            <a:prstTxWarp prst="textNoShape">
+              <a:avLst/>
+            </a:prstTxWarp>
+            <a:spAutoFit/>
+          </a:bodyPr>
           <a:lstStyle/>
           <a:p>
-            <a:endParaRPr lang="en-IN" dirty="0"/>
+            <a:pPr marL="228600" marR="0" lvl="0" indent="-228600" algn="l" defTabSz="914400" rtl="0" eaLnBrk="0" fontAlgn="base" latinLnBrk="0" hangingPunct="0">
+              <a:lnSpc>
+                <a:spcPct val="100000"/>
+              </a:lnSpc>
+              <a:spcBef>
+                <a:spcPct val="0"/>
+              </a:spcBef>
+              <a:spcAft>
+                <a:spcPct val="0"/>
+              </a:spcAft>
+              <a:buClrTx/>
+              <a:buSzTx/>
+              <a:buFont typeface="+mj-lt"/>
+              <a:buAutoNum type="arabicPeriod"/>
+              <a:tabLst/>
+            </a:pPr>
+            <a:r>
+              <a:rPr kumimoji="0" lang="en-US" altLang="en-US" sz="1100" b="1" i="0" u="none" strike="noStrike" cap="none" normalizeH="0" baseline="0" dirty="0">
+                <a:ln>
+                  <a:noFill/>
+                </a:ln>
+                <a:solidFill>
+                  <a:schemeClr val="tx1"/>
+                </a:solidFill>
+                <a:effectLst/>
+                <a:latin typeface="Arial" panose="020B0604020202020204" pitchFamily="34" charset="0"/>
+              </a:rPr>
+              <a:t>Vehicle Motion and Airflow</a:t>
+            </a:r>
+            <a:endParaRPr kumimoji="0" lang="en-US" altLang="en-US" sz="1100" b="0" i="0" u="none" strike="noStrike" cap="none" normalizeH="0" baseline="0" dirty="0">
+              <a:ln>
+                <a:noFill/>
+              </a:ln>
+              <a:solidFill>
+                <a:schemeClr val="tx1"/>
+              </a:solidFill>
+              <a:effectLst/>
+              <a:latin typeface="Arial" panose="020B0604020202020204" pitchFamily="34" charset="0"/>
+            </a:endParaRPr>
+          </a:p>
+          <a:p>
+            <a:pPr marL="342891" lvl="1" indent="0" defTabSz="914400" eaLnBrk="0" fontAlgn="base" hangingPunct="0">
+              <a:lnSpc>
+                <a:spcPct val="100000"/>
+              </a:lnSpc>
+              <a:spcBef>
+                <a:spcPct val="0"/>
+              </a:spcBef>
+              <a:spcAft>
+                <a:spcPct val="0"/>
+              </a:spcAft>
+              <a:buFontTx/>
+              <a:buChar char="•"/>
+              <a:tabLst/>
+            </a:pPr>
+            <a:r>
+              <a:rPr kumimoji="0" lang="en-US" altLang="en-US" sz="1100" b="0" i="0" u="none" strike="noStrike" cap="none" normalizeH="0" baseline="0" dirty="0">
+                <a:ln>
+                  <a:noFill/>
+                </a:ln>
+                <a:solidFill>
+                  <a:schemeClr val="tx1"/>
+                </a:solidFill>
+                <a:effectLst/>
+                <a:latin typeface="Arial" panose="020B0604020202020204" pitchFamily="34" charset="0"/>
+              </a:rPr>
+              <a:t>Vehicles will frequently travel at </a:t>
+            </a:r>
+            <a:r>
+              <a:rPr kumimoji="0" lang="en-US" altLang="en-US" sz="1100" b="1" i="0" u="none" strike="noStrike" cap="none" normalizeH="0" baseline="0" dirty="0">
+                <a:ln>
+                  <a:noFill/>
+                </a:ln>
+                <a:solidFill>
+                  <a:schemeClr val="tx1"/>
+                </a:solidFill>
+                <a:effectLst/>
+                <a:latin typeface="Arial" panose="020B0604020202020204" pitchFamily="34" charset="0"/>
+              </a:rPr>
+              <a:t>moderate to high speeds</a:t>
+            </a:r>
+            <a:r>
+              <a:rPr kumimoji="0" lang="en-US" altLang="en-US" sz="1100" b="0" i="0" u="none" strike="noStrike" cap="none" normalizeH="0" baseline="0" dirty="0">
+                <a:ln>
+                  <a:noFill/>
+                </a:ln>
+                <a:solidFill>
+                  <a:schemeClr val="tx1"/>
+                </a:solidFill>
+                <a:effectLst/>
+                <a:latin typeface="Arial" panose="020B0604020202020204" pitchFamily="34" charset="0"/>
+              </a:rPr>
+              <a:t> (e.g., highways), providing sufficient airflow to drive turbines efficiently.</a:t>
+            </a:r>
+          </a:p>
+          <a:p>
+            <a:pPr marL="342891" lvl="1" indent="0" defTabSz="914400" eaLnBrk="0" fontAlgn="base" hangingPunct="0">
+              <a:lnSpc>
+                <a:spcPct val="100000"/>
+              </a:lnSpc>
+              <a:spcBef>
+                <a:spcPct val="0"/>
+              </a:spcBef>
+              <a:spcAft>
+                <a:spcPct val="0"/>
+              </a:spcAft>
+              <a:buFontTx/>
+              <a:buChar char="•"/>
+              <a:tabLst/>
+            </a:pPr>
+            <a:r>
+              <a:rPr kumimoji="0" lang="en-US" altLang="en-US" sz="1100" b="0" i="0" u="none" strike="noStrike" cap="none" normalizeH="0" baseline="0" dirty="0">
+                <a:ln>
+                  <a:noFill/>
+                </a:ln>
+                <a:solidFill>
+                  <a:schemeClr val="tx1"/>
+                </a:solidFill>
+                <a:effectLst/>
+                <a:latin typeface="Arial" panose="020B0604020202020204" pitchFamily="34" charset="0"/>
+              </a:rPr>
+              <a:t>Airflow can be channeled and concentrated through </a:t>
+            </a:r>
+            <a:r>
+              <a:rPr kumimoji="0" lang="en-US" altLang="en-US" sz="1100" b="1" i="0" u="none" strike="noStrike" cap="none" normalizeH="0" baseline="0" dirty="0">
+                <a:ln>
+                  <a:noFill/>
+                </a:ln>
+                <a:solidFill>
+                  <a:schemeClr val="tx1"/>
+                </a:solidFill>
+                <a:effectLst/>
+                <a:latin typeface="Arial" panose="020B0604020202020204" pitchFamily="34" charset="0"/>
+              </a:rPr>
+              <a:t>undercarriages</a:t>
+            </a:r>
+            <a:r>
+              <a:rPr kumimoji="0" lang="en-US" altLang="en-US" sz="1100" b="0" i="0" u="none" strike="noStrike" cap="none" normalizeH="0" baseline="0" dirty="0">
+                <a:ln>
+                  <a:noFill/>
+                </a:ln>
+                <a:solidFill>
+                  <a:schemeClr val="tx1"/>
+                </a:solidFill>
+                <a:effectLst/>
+                <a:latin typeface="Arial" panose="020B0604020202020204" pitchFamily="34" charset="0"/>
+              </a:rPr>
+              <a:t> or designated ducts to maximize turbine performance.</a:t>
+            </a:r>
+          </a:p>
+          <a:p>
+            <a:pPr marL="228600" marR="0" lvl="0" indent="-228600" algn="l" defTabSz="914400" rtl="0" eaLnBrk="0" fontAlgn="base" latinLnBrk="0" hangingPunct="0">
+              <a:lnSpc>
+                <a:spcPct val="100000"/>
+              </a:lnSpc>
+              <a:spcBef>
+                <a:spcPct val="0"/>
+              </a:spcBef>
+              <a:spcAft>
+                <a:spcPct val="0"/>
+              </a:spcAft>
+              <a:buClrTx/>
+              <a:buSzTx/>
+              <a:buFont typeface="+mj-lt"/>
+              <a:buAutoNum type="arabicPeriod"/>
+              <a:tabLst/>
+            </a:pPr>
+            <a:r>
+              <a:rPr kumimoji="0" lang="en-US" altLang="en-US" sz="1100" b="1" i="0" u="none" strike="noStrike" cap="none" normalizeH="0" baseline="0" dirty="0">
+                <a:ln>
+                  <a:noFill/>
+                </a:ln>
+                <a:solidFill>
+                  <a:schemeClr val="tx1"/>
+                </a:solidFill>
+                <a:effectLst/>
+                <a:latin typeface="Arial" panose="020B0604020202020204" pitchFamily="34" charset="0"/>
+              </a:rPr>
+              <a:t>Aerodynamic Efficiency</a:t>
+            </a:r>
+            <a:endParaRPr kumimoji="0" lang="en-US" altLang="en-US" sz="1100" b="0" i="0" u="none" strike="noStrike" cap="none" normalizeH="0" baseline="0" dirty="0">
+              <a:ln>
+                <a:noFill/>
+              </a:ln>
+              <a:solidFill>
+                <a:schemeClr val="tx1"/>
+              </a:solidFill>
+              <a:effectLst/>
+              <a:latin typeface="Arial" panose="020B0604020202020204" pitchFamily="34" charset="0"/>
+            </a:endParaRPr>
+          </a:p>
+          <a:p>
+            <a:pPr marL="342891" lvl="1" indent="0" defTabSz="914400" eaLnBrk="0" fontAlgn="base" hangingPunct="0">
+              <a:lnSpc>
+                <a:spcPct val="100000"/>
+              </a:lnSpc>
+              <a:spcBef>
+                <a:spcPct val="0"/>
+              </a:spcBef>
+              <a:spcAft>
+                <a:spcPct val="0"/>
+              </a:spcAft>
+              <a:buFontTx/>
+              <a:buChar char="•"/>
+              <a:tabLst/>
+            </a:pPr>
+            <a:r>
+              <a:rPr kumimoji="0" lang="en-US" altLang="en-US" sz="1100" b="0" i="0" u="none" strike="noStrike" cap="none" normalizeH="0" baseline="0" dirty="0">
+                <a:ln>
+                  <a:noFill/>
+                </a:ln>
+                <a:solidFill>
+                  <a:schemeClr val="tx1"/>
+                </a:solidFill>
+                <a:effectLst/>
+                <a:latin typeface="Arial" panose="020B0604020202020204" pitchFamily="34" charset="0"/>
+              </a:rPr>
+              <a:t>The turbine system’s design and placement will minimize </a:t>
+            </a:r>
+            <a:r>
+              <a:rPr kumimoji="0" lang="en-US" altLang="en-US" sz="1100" b="1" i="0" u="none" strike="noStrike" cap="none" normalizeH="0" baseline="0" dirty="0">
+                <a:ln>
+                  <a:noFill/>
+                </a:ln>
+                <a:solidFill>
+                  <a:schemeClr val="tx1"/>
+                </a:solidFill>
+                <a:effectLst/>
+                <a:latin typeface="Arial" panose="020B0604020202020204" pitchFamily="34" charset="0"/>
+              </a:rPr>
+              <a:t>aerodynamic drag</a:t>
+            </a:r>
+            <a:r>
+              <a:rPr kumimoji="0" lang="en-US" altLang="en-US" sz="1100" b="0" i="0" u="none" strike="noStrike" cap="none" normalizeH="0" baseline="0" dirty="0">
+                <a:ln>
+                  <a:noFill/>
+                </a:ln>
+                <a:solidFill>
+                  <a:schemeClr val="tx1"/>
+                </a:solidFill>
+                <a:effectLst/>
+                <a:latin typeface="Arial" panose="020B0604020202020204" pitchFamily="34" charset="0"/>
+              </a:rPr>
+              <a:t>, ensuring energy losses are negligible compared to the energy recovered.</a:t>
+            </a:r>
+          </a:p>
+          <a:p>
+            <a:pPr marL="228600" marR="0" lvl="0" indent="-228600" algn="l" defTabSz="914400" rtl="0" eaLnBrk="0" fontAlgn="base" latinLnBrk="0" hangingPunct="0">
+              <a:lnSpc>
+                <a:spcPct val="100000"/>
+              </a:lnSpc>
+              <a:spcBef>
+                <a:spcPct val="0"/>
+              </a:spcBef>
+              <a:spcAft>
+                <a:spcPct val="0"/>
+              </a:spcAft>
+              <a:buClrTx/>
+              <a:buSzTx/>
+              <a:buFont typeface="+mj-lt"/>
+              <a:buAutoNum type="arabicPeriod"/>
+              <a:tabLst/>
+            </a:pPr>
+            <a:r>
+              <a:rPr kumimoji="0" lang="en-US" altLang="en-US" sz="1100" b="1" i="0" u="none" strike="noStrike" cap="none" normalizeH="0" baseline="0" dirty="0">
+                <a:ln>
+                  <a:noFill/>
+                </a:ln>
+                <a:solidFill>
+                  <a:schemeClr val="tx1"/>
+                </a:solidFill>
+                <a:effectLst/>
+                <a:latin typeface="Arial" panose="020B0604020202020204" pitchFamily="34" charset="0"/>
+              </a:rPr>
+              <a:t>Power Generation and Use</a:t>
+            </a:r>
+            <a:endParaRPr kumimoji="0" lang="en-US" altLang="en-US" sz="1100" b="0" i="0" u="none" strike="noStrike" cap="none" normalizeH="0" baseline="0" dirty="0">
+              <a:ln>
+                <a:noFill/>
+              </a:ln>
+              <a:solidFill>
+                <a:schemeClr val="tx1"/>
+              </a:solidFill>
+              <a:effectLst/>
+              <a:latin typeface="Arial" panose="020B0604020202020204" pitchFamily="34" charset="0"/>
+            </a:endParaRPr>
+          </a:p>
+          <a:p>
+            <a:pPr marL="342891" lvl="1" indent="0" defTabSz="914400" eaLnBrk="0" fontAlgn="base" hangingPunct="0">
+              <a:lnSpc>
+                <a:spcPct val="100000"/>
+              </a:lnSpc>
+              <a:spcBef>
+                <a:spcPct val="0"/>
+              </a:spcBef>
+              <a:spcAft>
+                <a:spcPct val="0"/>
+              </a:spcAft>
+              <a:buFontTx/>
+              <a:buChar char="•"/>
+              <a:tabLst/>
+            </a:pPr>
+            <a:r>
+              <a:rPr kumimoji="0" lang="en-US" altLang="en-US" sz="1100" b="0" i="0" u="none" strike="noStrike" cap="none" normalizeH="0" baseline="0" dirty="0">
+                <a:ln>
+                  <a:noFill/>
+                </a:ln>
+                <a:solidFill>
+                  <a:schemeClr val="tx1"/>
+                </a:solidFill>
+                <a:effectLst/>
+                <a:latin typeface="Arial" panose="020B0604020202020204" pitchFamily="34" charset="0"/>
+              </a:rPr>
+              <a:t>Recovered energy will primarily power </a:t>
+            </a:r>
+            <a:r>
+              <a:rPr kumimoji="0" lang="en-US" altLang="en-US" sz="1100" b="1" i="0" u="none" strike="noStrike" cap="none" normalizeH="0" baseline="0" dirty="0">
+                <a:ln>
+                  <a:noFill/>
+                </a:ln>
+                <a:solidFill>
+                  <a:schemeClr val="tx1"/>
+                </a:solidFill>
+                <a:effectLst/>
+                <a:latin typeface="Arial" panose="020B0604020202020204" pitchFamily="34" charset="0"/>
+              </a:rPr>
+              <a:t>auxiliary systems</a:t>
+            </a:r>
+            <a:r>
+              <a:rPr kumimoji="0" lang="en-US" altLang="en-US" sz="1100" b="0" i="0" u="none" strike="noStrike" cap="none" normalizeH="0" baseline="0" dirty="0">
+                <a:ln>
+                  <a:noFill/>
+                </a:ln>
+                <a:solidFill>
+                  <a:schemeClr val="tx1"/>
+                </a:solidFill>
+                <a:effectLst/>
+                <a:latin typeface="Arial" panose="020B0604020202020204" pitchFamily="34" charset="0"/>
+              </a:rPr>
+              <a:t> (e.g., lights, sensors, fans) or partially recharge batteries, enhancing overall vehicle energy efficiency.</a:t>
+            </a:r>
+          </a:p>
+          <a:p>
+            <a:pPr marL="342891" lvl="1" indent="0" defTabSz="914400" eaLnBrk="0" fontAlgn="base" hangingPunct="0">
+              <a:lnSpc>
+                <a:spcPct val="100000"/>
+              </a:lnSpc>
+              <a:spcBef>
+                <a:spcPct val="0"/>
+              </a:spcBef>
+              <a:spcAft>
+                <a:spcPct val="0"/>
+              </a:spcAft>
+              <a:buFontTx/>
+              <a:buChar char="•"/>
+              <a:tabLst/>
+            </a:pPr>
+            <a:r>
+              <a:rPr kumimoji="0" lang="en-US" altLang="en-US" sz="1100" b="0" i="0" u="none" strike="noStrike" cap="none" normalizeH="0" baseline="0" dirty="0">
+                <a:ln>
+                  <a:noFill/>
+                </a:ln>
+                <a:solidFill>
+                  <a:schemeClr val="tx1"/>
+                </a:solidFill>
+                <a:effectLst/>
+                <a:latin typeface="Arial" panose="020B0604020202020204" pitchFamily="34" charset="0"/>
+              </a:rPr>
+              <a:t>Turbine efficiency will be higher at </a:t>
+            </a:r>
+            <a:r>
+              <a:rPr kumimoji="0" lang="en-US" altLang="en-US" sz="1100" b="1" i="0" u="none" strike="noStrike" cap="none" normalizeH="0" baseline="0" dirty="0">
+                <a:ln>
+                  <a:noFill/>
+                </a:ln>
+                <a:solidFill>
+                  <a:schemeClr val="tx1"/>
+                </a:solidFill>
+                <a:effectLst/>
+                <a:latin typeface="Arial" panose="020B0604020202020204" pitchFamily="34" charset="0"/>
+              </a:rPr>
+              <a:t>high speeds</a:t>
+            </a:r>
+            <a:r>
+              <a:rPr kumimoji="0" lang="en-US" altLang="en-US" sz="1100" b="0" i="0" u="none" strike="noStrike" cap="none" normalizeH="0" baseline="0" dirty="0">
+                <a:ln>
+                  <a:noFill/>
+                </a:ln>
+                <a:solidFill>
+                  <a:schemeClr val="tx1"/>
+                </a:solidFill>
+                <a:effectLst/>
+                <a:latin typeface="Arial" panose="020B0604020202020204" pitchFamily="34" charset="0"/>
+              </a:rPr>
+              <a:t>, with limited performance at low speeds or stops.</a:t>
+            </a:r>
+          </a:p>
+          <a:p>
+            <a:pPr marL="228600" marR="0" lvl="0" indent="-228600" algn="l" defTabSz="914400" rtl="0" eaLnBrk="0" fontAlgn="base" latinLnBrk="0" hangingPunct="0">
+              <a:lnSpc>
+                <a:spcPct val="100000"/>
+              </a:lnSpc>
+              <a:spcBef>
+                <a:spcPct val="0"/>
+              </a:spcBef>
+              <a:spcAft>
+                <a:spcPct val="0"/>
+              </a:spcAft>
+              <a:buClrTx/>
+              <a:buSzTx/>
+              <a:buFont typeface="+mj-lt"/>
+              <a:buAutoNum type="arabicPeriod"/>
+              <a:tabLst/>
+            </a:pPr>
+            <a:r>
+              <a:rPr kumimoji="0" lang="en-US" altLang="en-US" sz="1100" b="1" i="0" u="none" strike="noStrike" cap="none" normalizeH="0" baseline="0" dirty="0">
+                <a:ln>
+                  <a:noFill/>
+                </a:ln>
+                <a:solidFill>
+                  <a:schemeClr val="tx1"/>
+                </a:solidFill>
+                <a:effectLst/>
+                <a:latin typeface="Arial" panose="020B0604020202020204" pitchFamily="34" charset="0"/>
+              </a:rPr>
+              <a:t>Weight and Material Considerations</a:t>
+            </a:r>
+            <a:endParaRPr kumimoji="0" lang="en-US" altLang="en-US" sz="1100" b="0" i="0" u="none" strike="noStrike" cap="none" normalizeH="0" baseline="0" dirty="0">
+              <a:ln>
+                <a:noFill/>
+              </a:ln>
+              <a:solidFill>
+                <a:schemeClr val="tx1"/>
+              </a:solidFill>
+              <a:effectLst/>
+              <a:latin typeface="Arial" panose="020B0604020202020204" pitchFamily="34" charset="0"/>
+            </a:endParaRPr>
+          </a:p>
+          <a:p>
+            <a:pPr marL="342891" lvl="1" indent="0" defTabSz="914400" eaLnBrk="0" fontAlgn="base" hangingPunct="0">
+              <a:lnSpc>
+                <a:spcPct val="100000"/>
+              </a:lnSpc>
+              <a:spcBef>
+                <a:spcPct val="0"/>
+              </a:spcBef>
+              <a:spcAft>
+                <a:spcPct val="0"/>
+              </a:spcAft>
+              <a:buFontTx/>
+              <a:buChar char="•"/>
+              <a:tabLst/>
+            </a:pPr>
+            <a:r>
+              <a:rPr kumimoji="0" lang="en-US" altLang="en-US" sz="1100" b="0" i="0" u="none" strike="noStrike" cap="none" normalizeH="0" baseline="0" dirty="0">
+                <a:ln>
+                  <a:noFill/>
+                </a:ln>
+                <a:solidFill>
+                  <a:schemeClr val="tx1"/>
+                </a:solidFill>
+                <a:effectLst/>
+                <a:latin typeface="Arial" panose="020B0604020202020204" pitchFamily="34" charset="0"/>
+              </a:rPr>
+              <a:t>The system will use </a:t>
+            </a:r>
+            <a:r>
+              <a:rPr kumimoji="0" lang="en-US" altLang="en-US" sz="1100" b="1" i="0" u="none" strike="noStrike" cap="none" normalizeH="0" baseline="0" dirty="0">
+                <a:ln>
+                  <a:noFill/>
+                </a:ln>
+                <a:solidFill>
+                  <a:schemeClr val="tx1"/>
+                </a:solidFill>
+                <a:effectLst/>
+                <a:latin typeface="Arial" panose="020B0604020202020204" pitchFamily="34" charset="0"/>
+              </a:rPr>
+              <a:t>lightweight, durable materials</a:t>
+            </a:r>
+            <a:r>
+              <a:rPr kumimoji="0" lang="en-US" altLang="en-US" sz="1100" b="0" i="0" u="none" strike="noStrike" cap="none" normalizeH="0" baseline="0" dirty="0">
+                <a:ln>
+                  <a:noFill/>
+                </a:ln>
+                <a:solidFill>
+                  <a:schemeClr val="tx1"/>
+                </a:solidFill>
+                <a:effectLst/>
+                <a:latin typeface="Arial" panose="020B0604020202020204" pitchFamily="34" charset="0"/>
+              </a:rPr>
+              <a:t> (e.g., carbon fiber, aluminum) to avoid significant weight addition.</a:t>
+            </a:r>
+          </a:p>
+          <a:p>
+            <a:pPr marL="342891" lvl="1" indent="0" defTabSz="914400" eaLnBrk="0" fontAlgn="base" hangingPunct="0">
+              <a:lnSpc>
+                <a:spcPct val="100000"/>
+              </a:lnSpc>
+              <a:spcBef>
+                <a:spcPct val="0"/>
+              </a:spcBef>
+              <a:spcAft>
+                <a:spcPct val="0"/>
+              </a:spcAft>
+              <a:buFontTx/>
+              <a:buChar char="•"/>
+              <a:tabLst/>
+            </a:pPr>
+            <a:r>
+              <a:rPr kumimoji="0" lang="en-US" altLang="en-US" sz="1100" b="0" i="0" u="none" strike="noStrike" cap="none" normalizeH="0" baseline="0" dirty="0">
+                <a:ln>
+                  <a:noFill/>
+                </a:ln>
+                <a:solidFill>
+                  <a:schemeClr val="tx1"/>
+                </a:solidFill>
+                <a:effectLst/>
+                <a:latin typeface="Arial" panose="020B0604020202020204" pitchFamily="34" charset="0"/>
+              </a:rPr>
+              <a:t>Turbine installation will fit into </a:t>
+            </a:r>
+            <a:r>
+              <a:rPr kumimoji="0" lang="en-US" altLang="en-US" sz="1100" b="1" i="0" u="none" strike="noStrike" cap="none" normalizeH="0" baseline="0" dirty="0">
+                <a:ln>
+                  <a:noFill/>
+                </a:ln>
+                <a:solidFill>
+                  <a:schemeClr val="tx1"/>
+                </a:solidFill>
+                <a:effectLst/>
+                <a:latin typeface="Arial" panose="020B0604020202020204" pitchFamily="34" charset="0"/>
+              </a:rPr>
+              <a:t>available vehicle zones</a:t>
+            </a:r>
+            <a:r>
+              <a:rPr kumimoji="0" lang="en-US" altLang="en-US" sz="1100" b="0" i="0" u="none" strike="noStrike" cap="none" normalizeH="0" baseline="0" dirty="0">
+                <a:ln>
+                  <a:noFill/>
+                </a:ln>
+                <a:solidFill>
+                  <a:schemeClr val="tx1"/>
+                </a:solidFill>
+                <a:effectLst/>
+                <a:latin typeface="Arial" panose="020B0604020202020204" pitchFamily="34" charset="0"/>
+              </a:rPr>
+              <a:t> (e.g., undercarriages, battery compartments) without compromising structure or safety.</a:t>
+            </a:r>
+          </a:p>
+          <a:p>
+            <a:pPr marL="228600" marR="0" lvl="0" indent="-228600" algn="l" defTabSz="914400" rtl="0" eaLnBrk="0" fontAlgn="base" latinLnBrk="0" hangingPunct="0">
+              <a:lnSpc>
+                <a:spcPct val="100000"/>
+              </a:lnSpc>
+              <a:spcBef>
+                <a:spcPct val="0"/>
+              </a:spcBef>
+              <a:spcAft>
+                <a:spcPct val="0"/>
+              </a:spcAft>
+              <a:buClrTx/>
+              <a:buSzTx/>
+              <a:buFont typeface="+mj-lt"/>
+              <a:buAutoNum type="arabicPeriod"/>
+              <a:tabLst/>
+            </a:pPr>
+            <a:r>
+              <a:rPr kumimoji="0" lang="en-US" altLang="en-US" sz="1100" b="1" i="0" u="none" strike="noStrike" cap="none" normalizeH="0" baseline="0" dirty="0">
+                <a:ln>
+                  <a:noFill/>
+                </a:ln>
+                <a:solidFill>
+                  <a:schemeClr val="tx1"/>
+                </a:solidFill>
+                <a:effectLst/>
+                <a:latin typeface="Arial" panose="020B0604020202020204" pitchFamily="34" charset="0"/>
+              </a:rPr>
+              <a:t>Environmental Durability</a:t>
+            </a:r>
+            <a:endParaRPr kumimoji="0" lang="en-US" altLang="en-US" sz="1100" b="0" i="0" u="none" strike="noStrike" cap="none" normalizeH="0" baseline="0" dirty="0">
+              <a:ln>
+                <a:noFill/>
+              </a:ln>
+              <a:solidFill>
+                <a:schemeClr val="tx1"/>
+              </a:solidFill>
+              <a:effectLst/>
+              <a:latin typeface="Arial" panose="020B0604020202020204" pitchFamily="34" charset="0"/>
+            </a:endParaRPr>
+          </a:p>
+          <a:p>
+            <a:pPr marL="342891" lvl="1" indent="0" defTabSz="914400" eaLnBrk="0" fontAlgn="base" hangingPunct="0">
+              <a:lnSpc>
+                <a:spcPct val="100000"/>
+              </a:lnSpc>
+              <a:spcBef>
+                <a:spcPct val="0"/>
+              </a:spcBef>
+              <a:spcAft>
+                <a:spcPct val="0"/>
+              </a:spcAft>
+              <a:buFontTx/>
+              <a:buChar char="•"/>
+              <a:tabLst/>
+            </a:pPr>
+            <a:r>
+              <a:rPr kumimoji="0" lang="en-US" altLang="en-US" sz="1100" b="0" i="0" u="none" strike="noStrike" cap="none" normalizeH="0" baseline="0" dirty="0">
+                <a:ln>
+                  <a:noFill/>
+                </a:ln>
+                <a:solidFill>
+                  <a:schemeClr val="tx1"/>
+                </a:solidFill>
+                <a:effectLst/>
+                <a:latin typeface="Arial" panose="020B0604020202020204" pitchFamily="34" charset="0"/>
+              </a:rPr>
+              <a:t>Turbines will function reliably under </a:t>
+            </a:r>
+            <a:r>
+              <a:rPr kumimoji="0" lang="en-US" altLang="en-US" sz="1100" b="1" i="0" u="none" strike="noStrike" cap="none" normalizeH="0" baseline="0" dirty="0">
+                <a:ln>
+                  <a:noFill/>
+                </a:ln>
+                <a:solidFill>
+                  <a:schemeClr val="tx1"/>
+                </a:solidFill>
+                <a:effectLst/>
+                <a:latin typeface="Arial" panose="020B0604020202020204" pitchFamily="34" charset="0"/>
+              </a:rPr>
+              <a:t>real-world conditions</a:t>
+            </a:r>
+            <a:r>
+              <a:rPr kumimoji="0" lang="en-US" altLang="en-US" sz="1100" b="0" i="0" u="none" strike="noStrike" cap="none" normalizeH="0" baseline="0" dirty="0">
+                <a:ln>
+                  <a:noFill/>
+                </a:ln>
+                <a:solidFill>
+                  <a:schemeClr val="tx1"/>
+                </a:solidFill>
+                <a:effectLst/>
+                <a:latin typeface="Arial" panose="020B0604020202020204" pitchFamily="34" charset="0"/>
+              </a:rPr>
+              <a:t> such as temperature variations, rain, dust, and road debris with minimal maintenance needs.</a:t>
+            </a:r>
+          </a:p>
+          <a:p>
+            <a:pPr marL="228600" marR="0" lvl="0" indent="-228600" algn="l" defTabSz="914400" rtl="0" eaLnBrk="0" fontAlgn="base" latinLnBrk="0" hangingPunct="0">
+              <a:lnSpc>
+                <a:spcPct val="100000"/>
+              </a:lnSpc>
+              <a:spcBef>
+                <a:spcPct val="0"/>
+              </a:spcBef>
+              <a:spcAft>
+                <a:spcPct val="0"/>
+              </a:spcAft>
+              <a:buClrTx/>
+              <a:buSzTx/>
+              <a:buFont typeface="+mj-lt"/>
+              <a:buAutoNum type="arabicPeriod"/>
+              <a:tabLst/>
+            </a:pPr>
+            <a:r>
+              <a:rPr kumimoji="0" lang="en-US" altLang="en-US" sz="1100" b="1" i="0" u="none" strike="noStrike" cap="none" normalizeH="0" baseline="0" dirty="0">
+                <a:ln>
+                  <a:noFill/>
+                </a:ln>
+                <a:solidFill>
+                  <a:schemeClr val="tx1"/>
+                </a:solidFill>
+                <a:effectLst/>
+                <a:latin typeface="Arial" panose="020B0604020202020204" pitchFamily="34" charset="0"/>
+              </a:rPr>
+              <a:t>Economic Viability</a:t>
+            </a:r>
+            <a:endParaRPr kumimoji="0" lang="en-US" altLang="en-US" sz="1100" b="0" i="0" u="none" strike="noStrike" cap="none" normalizeH="0" baseline="0" dirty="0">
+              <a:ln>
+                <a:noFill/>
+              </a:ln>
+              <a:solidFill>
+                <a:schemeClr val="tx1"/>
+              </a:solidFill>
+              <a:effectLst/>
+              <a:latin typeface="Arial" panose="020B0604020202020204" pitchFamily="34" charset="0"/>
+            </a:endParaRPr>
+          </a:p>
+          <a:p>
+            <a:pPr marL="342891" lvl="1" indent="0" defTabSz="914400" eaLnBrk="0" fontAlgn="base" hangingPunct="0">
+              <a:lnSpc>
+                <a:spcPct val="100000"/>
+              </a:lnSpc>
+              <a:spcBef>
+                <a:spcPct val="0"/>
+              </a:spcBef>
+              <a:spcAft>
+                <a:spcPct val="0"/>
+              </a:spcAft>
+              <a:buFontTx/>
+              <a:buChar char="•"/>
+              <a:tabLst/>
+            </a:pPr>
+            <a:r>
+              <a:rPr kumimoji="0" lang="en-US" altLang="en-US" sz="1100" b="0" i="0" u="none" strike="noStrike" cap="none" normalizeH="0" baseline="0" dirty="0">
+                <a:ln>
+                  <a:noFill/>
+                </a:ln>
+                <a:solidFill>
+                  <a:schemeClr val="tx1"/>
+                </a:solidFill>
+                <a:effectLst/>
+                <a:latin typeface="Arial" panose="020B0604020202020204" pitchFamily="34" charset="0"/>
+              </a:rPr>
+              <a:t>Costs of manufacturing and installation will be balanced by long-term benefits like improved energy efficiency and sustainability.</a:t>
+            </a:r>
+          </a:p>
+          <a:p>
+            <a:pPr marL="228600" marR="0" lvl="0" indent="-228600" algn="l" defTabSz="914400" rtl="0" eaLnBrk="0" fontAlgn="base" latinLnBrk="0" hangingPunct="0">
+              <a:lnSpc>
+                <a:spcPct val="100000"/>
+              </a:lnSpc>
+              <a:spcBef>
+                <a:spcPct val="0"/>
+              </a:spcBef>
+              <a:spcAft>
+                <a:spcPct val="0"/>
+              </a:spcAft>
+              <a:buClrTx/>
+              <a:buSzTx/>
+              <a:buFont typeface="+mj-lt"/>
+              <a:buAutoNum type="arabicPeriod"/>
+              <a:tabLst/>
+            </a:pPr>
+            <a:r>
+              <a:rPr kumimoji="0" lang="en-US" altLang="en-US" sz="1100" b="1" i="0" u="none" strike="noStrike" cap="none" normalizeH="0" baseline="0" dirty="0">
+                <a:ln>
+                  <a:noFill/>
+                </a:ln>
+                <a:solidFill>
+                  <a:schemeClr val="tx1"/>
+                </a:solidFill>
+                <a:effectLst/>
+                <a:latin typeface="Arial" panose="020B0604020202020204" pitchFamily="34" charset="0"/>
+              </a:rPr>
+              <a:t>Testing and Optimization</a:t>
+            </a:r>
+            <a:endParaRPr kumimoji="0" lang="en-US" altLang="en-US" sz="1100" b="0" i="0" u="none" strike="noStrike" cap="none" normalizeH="0" baseline="0" dirty="0">
+              <a:ln>
+                <a:noFill/>
+              </a:ln>
+              <a:solidFill>
+                <a:schemeClr val="tx1"/>
+              </a:solidFill>
+              <a:effectLst/>
+              <a:latin typeface="Arial" panose="020B0604020202020204" pitchFamily="34" charset="0"/>
+            </a:endParaRPr>
+          </a:p>
+          <a:p>
+            <a:pPr marL="342891" lvl="1" indent="0" defTabSz="914400" eaLnBrk="0" fontAlgn="base" hangingPunct="0">
+              <a:lnSpc>
+                <a:spcPct val="100000"/>
+              </a:lnSpc>
+              <a:spcBef>
+                <a:spcPct val="0"/>
+              </a:spcBef>
+              <a:spcAft>
+                <a:spcPct val="0"/>
+              </a:spcAft>
+              <a:buFontTx/>
+              <a:buChar char="•"/>
+              <a:tabLst/>
+            </a:pPr>
+            <a:r>
+              <a:rPr kumimoji="0" lang="en-US" altLang="en-US" sz="1100" b="0" i="0" u="none" strike="noStrike" cap="none" normalizeH="0" baseline="0" dirty="0">
+                <a:ln>
+                  <a:noFill/>
+                </a:ln>
+                <a:solidFill>
+                  <a:schemeClr val="tx1"/>
+                </a:solidFill>
+                <a:effectLst/>
+                <a:latin typeface="Arial" panose="020B0604020202020204" pitchFamily="34" charset="0"/>
+              </a:rPr>
+              <a:t>Advanced tools like </a:t>
+            </a:r>
+            <a:r>
+              <a:rPr kumimoji="0" lang="en-US" altLang="en-US" sz="1100" b="1" i="0" u="none" strike="noStrike" cap="none" normalizeH="0" baseline="0" dirty="0">
+                <a:ln>
+                  <a:noFill/>
+                </a:ln>
+                <a:solidFill>
+                  <a:schemeClr val="tx1"/>
+                </a:solidFill>
+                <a:effectLst/>
+                <a:latin typeface="Arial" panose="020B0604020202020204" pitchFamily="34" charset="0"/>
+              </a:rPr>
+              <a:t>CFD simulations</a:t>
+            </a:r>
+            <a:r>
+              <a:rPr kumimoji="0" lang="en-US" altLang="en-US" sz="1100" b="0" i="0" u="none" strike="noStrike" cap="none" normalizeH="0" baseline="0" dirty="0">
+                <a:ln>
+                  <a:noFill/>
+                </a:ln>
+                <a:solidFill>
+                  <a:schemeClr val="tx1"/>
+                </a:solidFill>
+                <a:effectLst/>
+                <a:latin typeface="Arial" panose="020B0604020202020204" pitchFamily="34" charset="0"/>
+              </a:rPr>
+              <a:t> and </a:t>
+            </a:r>
+            <a:r>
+              <a:rPr kumimoji="0" lang="en-US" altLang="en-US" sz="1100" b="1" i="0" u="none" strike="noStrike" cap="none" normalizeH="0" baseline="0" dirty="0">
+                <a:ln>
+                  <a:noFill/>
+                </a:ln>
+                <a:solidFill>
+                  <a:schemeClr val="tx1"/>
+                </a:solidFill>
+                <a:effectLst/>
+                <a:latin typeface="Arial" panose="020B0604020202020204" pitchFamily="34" charset="0"/>
+              </a:rPr>
+              <a:t>wind tunnel testing</a:t>
+            </a:r>
+            <a:r>
+              <a:rPr kumimoji="0" lang="en-US" altLang="en-US" sz="1100" b="0" i="0" u="none" strike="noStrike" cap="none" normalizeH="0" baseline="0" dirty="0">
+                <a:ln>
+                  <a:noFill/>
+                </a:ln>
+                <a:solidFill>
+                  <a:schemeClr val="tx1"/>
+                </a:solidFill>
+                <a:effectLst/>
+                <a:latin typeface="Arial" panose="020B0604020202020204" pitchFamily="34" charset="0"/>
+              </a:rPr>
+              <a:t> will validate system design and performance across real-world driving conditions.</a:t>
+            </a:r>
+          </a:p>
+          <a:p>
+            <a:pPr marL="0" marR="0" lvl="0" indent="0" algn="l" defTabSz="914400" rtl="0" eaLnBrk="0" fontAlgn="base" latinLnBrk="0" hangingPunct="0">
+              <a:lnSpc>
+                <a:spcPct val="100000"/>
+              </a:lnSpc>
+              <a:spcBef>
+                <a:spcPct val="0"/>
+              </a:spcBef>
+              <a:spcAft>
+                <a:spcPct val="0"/>
+              </a:spcAft>
+              <a:buClrTx/>
+              <a:buSzTx/>
+              <a:buFontTx/>
+              <a:buNone/>
+              <a:tabLst/>
+            </a:pPr>
+            <a:endParaRPr kumimoji="0" lang="en-US" altLang="en-US" sz="1100" b="0" i="0" u="none" strike="noStrike" cap="none" normalizeH="0" baseline="0" dirty="0">
+              <a:ln>
+                <a:noFill/>
+              </a:ln>
+              <a:solidFill>
+                <a:schemeClr val="tx1"/>
+              </a:solidFill>
+              <a:effectLst/>
+              <a:latin typeface="Arial" panose="020B0604020202020204" pitchFamily="34" charset="0"/>
+            </a:endParaRPr>
           </a:p>
         </p:txBody>
       </p:sp>
